--- a/Lecture/Chem/Present/Introduction.pptx
+++ b/Lecture/Chem/Present/Introduction.pptx
@@ -5,20 +5,22 @@
     <p:sldMasterId id="2147483648" r:id="rId1"/>
   </p:sldMasterIdLst>
   <p:handoutMasterIdLst>
-    <p:handoutMasterId r:id="rId13"/>
+    <p:handoutMasterId r:id="rId15"/>
   </p:handoutMasterIdLst>
   <p:sldIdLst>
     <p:sldId id="256" r:id="rId2"/>
     <p:sldId id="267" r:id="rId3"/>
-    <p:sldId id="257" r:id="rId4"/>
-    <p:sldId id="260" r:id="rId5"/>
-    <p:sldId id="268" r:id="rId6"/>
-    <p:sldId id="261" r:id="rId7"/>
-    <p:sldId id="264" r:id="rId8"/>
-    <p:sldId id="262" r:id="rId9"/>
-    <p:sldId id="266" r:id="rId10"/>
-    <p:sldId id="263" r:id="rId11"/>
-    <p:sldId id="265" r:id="rId12"/>
+    <p:sldId id="269" r:id="rId4"/>
+    <p:sldId id="257" r:id="rId5"/>
+    <p:sldId id="260" r:id="rId6"/>
+    <p:sldId id="268" r:id="rId7"/>
+    <p:sldId id="270" r:id="rId8"/>
+    <p:sldId id="261" r:id="rId9"/>
+    <p:sldId id="264" r:id="rId10"/>
+    <p:sldId id="262" r:id="rId11"/>
+    <p:sldId id="266" r:id="rId12"/>
+    <p:sldId id="263" r:id="rId13"/>
+    <p:sldId id="265" r:id="rId14"/>
   </p:sldIdLst>
   <p:sldSz cx="9144000" cy="6858000" type="screen4x3"/>
   <p:notesSz cx="6858000" cy="9144000"/>
@@ -2491,6 +2493,351 @@
         </p:nvSpPr>
         <p:spPr>
           <a:xfrm>
+            <a:off x="4786314" y="3500438"/>
+            <a:ext cx="2714644" cy="649288"/>
+          </a:xfrm>
+        </p:spPr>
+        <p:txBody>
+          <a:bodyPr/>
+          <a:lstStyle/>
+          <a:p>
+            <a:pPr>
+              <a:lnSpc>
+                <a:spcPct val="80000"/>
+              </a:lnSpc>
+            </a:pPr>
+            <a:r>
+              <a:rPr lang="ru-RU" altLang="ko-KR" sz="3200" dirty="0" err="1">
+                <a:latin typeface="Tahoma" charset="0"/>
+              </a:rPr>
+              <a:t>Бібліотека</a:t>
+            </a:r>
+            <a:endParaRPr lang="ru-RU" altLang="ko-KR" sz="3200" dirty="0">
+              <a:latin typeface="Tahoma" charset="0"/>
+            </a:endParaRPr>
+          </a:p>
+        </p:txBody>
+      </p:sp>
+      <p:sp>
+        <p:nvSpPr>
+          <p:cNvPr id="6" name="Прямоугольник 5"/>
+          <p:cNvSpPr/>
+          <p:nvPr/>
+        </p:nvSpPr>
+        <p:spPr>
+          <a:xfrm>
+            <a:off x="3857620" y="4429132"/>
+            <a:ext cx="4857752" cy="1384995"/>
+          </a:xfrm>
+          <a:prstGeom prst="rect">
+            <a:avLst/>
+          </a:prstGeom>
+        </p:spPr>
+        <p:txBody>
+          <a:bodyPr wrap="square">
+            <a:spAutoFit/>
+          </a:bodyPr>
+          <a:lstStyle/>
+          <a:p>
+            <a:r>
+              <a:rPr lang="en-US" sz="2800" dirty="0"/>
+              <a:t>http://gen.phys.univ.kiev.ua/biblioteka/pidruchniki-ta-posibniki/</a:t>
+            </a:r>
+            <a:endParaRPr lang="ru-RU" sz="2800" dirty="0"/>
+          </a:p>
+        </p:txBody>
+      </p:sp>
+      <p:sp>
+        <p:nvSpPr>
+          <p:cNvPr id="7" name="Прямоугольник 6"/>
+          <p:cNvSpPr/>
+          <p:nvPr/>
+        </p:nvSpPr>
+        <p:spPr>
+          <a:xfrm>
+            <a:off x="4429124" y="2571744"/>
+            <a:ext cx="3333798" cy="461665"/>
+          </a:xfrm>
+          <a:prstGeom prst="rect">
+            <a:avLst/>
+          </a:prstGeom>
+        </p:spPr>
+        <p:txBody>
+          <a:bodyPr wrap="none">
+            <a:spAutoFit/>
+          </a:bodyPr>
+          <a:lstStyle/>
+          <a:p>
+            <a:r>
+              <a:rPr lang="en-US" sz="2400" b="1" dirty="0"/>
+              <a:t>gen.phys.univ.kiev.ua</a:t>
+            </a:r>
+            <a:endParaRPr lang="ru-RU" sz="2400" b="1" dirty="0"/>
+          </a:p>
+        </p:txBody>
+      </p:sp>
+      <p:pic>
+        <p:nvPicPr>
+          <p:cNvPr id="8" name="Рисунок 7" descr="logo.gif"/>
+          <p:cNvPicPr>
+            <a:picLocks noChangeAspect="1"/>
+          </p:cNvPicPr>
+          <p:nvPr/>
+        </p:nvPicPr>
+        <p:blipFill>
+          <a:blip r:embed="rId2"/>
+          <a:stretch>
+            <a:fillRect/>
+          </a:stretch>
+        </p:blipFill>
+        <p:spPr>
+          <a:xfrm>
+            <a:off x="285720" y="2285992"/>
+            <a:ext cx="3657600" cy="952500"/>
+          </a:xfrm>
+          <a:prstGeom prst="rect">
+            <a:avLst/>
+          </a:prstGeom>
+        </p:spPr>
+      </p:pic>
+      <p:pic>
+        <p:nvPicPr>
+          <p:cNvPr id="9" name="Рисунок 8" descr="qr-codeBiblio.png"/>
+          <p:cNvPicPr>
+            <a:picLocks noChangeAspect="1"/>
+          </p:cNvPicPr>
+          <p:nvPr/>
+        </p:nvPicPr>
+        <p:blipFill>
+          <a:blip r:embed="rId3"/>
+          <a:stretch>
+            <a:fillRect/>
+          </a:stretch>
+        </p:blipFill>
+        <p:spPr>
+          <a:xfrm>
+            <a:off x="428596" y="3357562"/>
+            <a:ext cx="3071810" cy="3071810"/>
+          </a:xfrm>
+          <a:prstGeom prst="rect">
+            <a:avLst/>
+          </a:prstGeom>
+        </p:spPr>
+      </p:pic>
+    </p:spTree>
+  </p:cSld>
+  <p:clrMapOvr>
+    <a:masterClrMapping/>
+  </p:clrMapOvr>
+</p:sld>
+</file>
+
+<file path=ppt/slides/slide11.xml><?xml version="1.0" encoding="utf-8"?>
+<p:sld xmlns:a="http://schemas.openxmlformats.org/drawingml/2006/main" xmlns:r="http://schemas.openxmlformats.org/officeDocument/2006/relationships" xmlns:p="http://schemas.openxmlformats.org/presentationml/2006/main">
+  <p:cSld>
+    <p:spTree>
+      <p:nvGrpSpPr>
+        <p:cNvPr id="1" name=""/>
+        <p:cNvGrpSpPr/>
+        <p:nvPr/>
+      </p:nvGrpSpPr>
+      <p:grpSpPr>
+        <a:xfrm>
+          <a:off x="0" y="0"/>
+          <a:ext cx="0" cy="0"/>
+          <a:chOff x="0" y="0"/>
+          <a:chExt cx="0" cy="0"/>
+        </a:xfrm>
+      </p:grpSpPr>
+      <p:sp>
+        <p:nvSpPr>
+          <p:cNvPr id="36866" name="Rectangle 2"/>
+          <p:cNvSpPr>
+            <a:spLocks noGrp="1" noChangeArrowheads="1"/>
+          </p:cNvSpPr>
+          <p:nvPr>
+            <p:ph type="title"/>
+          </p:nvPr>
+        </p:nvSpPr>
+        <p:spPr>
+          <a:xfrm>
+            <a:off x="3202740" y="2859880"/>
+            <a:ext cx="5655540" cy="649288"/>
+          </a:xfrm>
+        </p:spPr>
+        <p:txBody>
+          <a:bodyPr/>
+          <a:lstStyle/>
+          <a:p>
+            <a:pPr>
+              <a:lnSpc>
+                <a:spcPct val="80000"/>
+              </a:lnSpc>
+            </a:pPr>
+            <a:r>
+              <a:rPr lang="ru-RU" altLang="ko-KR" sz="3200" dirty="0">
+                <a:latin typeface="Tahoma" charset="0"/>
+              </a:rPr>
+              <a:t>Лише для </a:t>
+            </a:r>
+            <a:r>
+              <a:rPr lang="ru-RU" altLang="ko-KR" sz="3200" dirty="0" err="1">
+                <a:latin typeface="Tahoma" charset="0"/>
+              </a:rPr>
+              <a:t>ознайомлення</a:t>
+            </a:r>
+            <a:r>
+              <a:rPr lang="ru-RU" altLang="ko-KR" sz="3200" dirty="0">
+                <a:latin typeface="Tahoma" charset="0"/>
+              </a:rPr>
+              <a:t>!</a:t>
+            </a:r>
+          </a:p>
+        </p:txBody>
+      </p:sp>
+      <p:sp>
+        <p:nvSpPr>
+          <p:cNvPr id="6" name="Прямоугольник 5"/>
+          <p:cNvSpPr/>
+          <p:nvPr/>
+        </p:nvSpPr>
+        <p:spPr>
+          <a:xfrm>
+            <a:off x="3851920" y="4077072"/>
+            <a:ext cx="4857752" cy="1815882"/>
+          </a:xfrm>
+          <a:prstGeom prst="rect">
+            <a:avLst/>
+          </a:prstGeom>
+        </p:spPr>
+        <p:txBody>
+          <a:bodyPr wrap="square">
+            <a:spAutoFit/>
+          </a:bodyPr>
+          <a:lstStyle/>
+          <a:p>
+            <a:r>
+              <a:rPr lang="en-US" sz="2800" dirty="0"/>
+              <a:t>https://drive.google.com/drive/folders/135PlBcM_yiK53XMCAGkcZqFFxaMdqisP?usp=sharing</a:t>
+            </a:r>
+            <a:endParaRPr lang="ru-RU" sz="2800" dirty="0"/>
+          </a:p>
+        </p:txBody>
+      </p:sp>
+      <p:pic>
+        <p:nvPicPr>
+          <p:cNvPr id="3" name="Рисунок 2">
+            <a:extLst>
+              <a:ext uri="{FF2B5EF4-FFF2-40B4-BE49-F238E27FC236}">
+                <a16:creationId xmlns:a16="http://schemas.microsoft.com/office/drawing/2014/main" id="{4D70F9DA-F5A5-48DA-92F8-B4C22A9B6336}"/>
+              </a:ext>
+            </a:extLst>
+          </p:cNvPr>
+          <p:cNvPicPr>
+            <a:picLocks noChangeAspect="1"/>
+          </p:cNvPicPr>
+          <p:nvPr/>
+        </p:nvPicPr>
+        <p:blipFill>
+          <a:blip r:embed="rId2" cstate="print">
+            <a:extLst>
+              <a:ext uri="{28A0092B-C50C-407E-A947-70E740481C1C}">
+                <a14:useLocalDpi xmlns:a14="http://schemas.microsoft.com/office/drawing/2010/main" val="0"/>
+              </a:ext>
+            </a:extLst>
+          </a:blip>
+          <a:stretch>
+            <a:fillRect/>
+          </a:stretch>
+        </p:blipFill>
+        <p:spPr>
+          <a:xfrm>
+            <a:off x="539552" y="4077072"/>
+            <a:ext cx="2495559" cy="2495559"/>
+          </a:xfrm>
+          <a:prstGeom prst="rect">
+            <a:avLst/>
+          </a:prstGeom>
+        </p:spPr>
+      </p:pic>
+      <p:pic>
+        <p:nvPicPr>
+          <p:cNvPr id="5" name="Рисунок 4">
+            <a:extLst>
+              <a:ext uri="{FF2B5EF4-FFF2-40B4-BE49-F238E27FC236}">
+                <a16:creationId xmlns:a16="http://schemas.microsoft.com/office/drawing/2014/main" id="{29F08483-561D-4F15-90C4-36F6DBA14F1D}"/>
+              </a:ext>
+            </a:extLst>
+          </p:cNvPr>
+          <p:cNvPicPr>
+            <a:picLocks noChangeAspect="1"/>
+          </p:cNvPicPr>
+          <p:nvPr/>
+        </p:nvPicPr>
+        <p:blipFill>
+          <a:blip r:embed="rId3">
+            <a:extLst>
+              <a:ext uri="{28A0092B-C50C-407E-A947-70E740481C1C}">
+                <a14:useLocalDpi xmlns:a14="http://schemas.microsoft.com/office/drawing/2010/main" val="0"/>
+              </a:ext>
+            </a:extLst>
+          </a:blip>
+          <a:stretch>
+            <a:fillRect/>
+          </a:stretch>
+        </p:blipFill>
+        <p:spPr>
+          <a:xfrm>
+            <a:off x="1062385" y="2364841"/>
+            <a:ext cx="1449891" cy="1639365"/>
+          </a:xfrm>
+          <a:prstGeom prst="rect">
+            <a:avLst/>
+          </a:prstGeom>
+        </p:spPr>
+      </p:pic>
+    </p:spTree>
+    <p:extLst>
+      <p:ext uri="{BB962C8B-B14F-4D97-AF65-F5344CB8AC3E}">
+        <p14:creationId xmlns:p14="http://schemas.microsoft.com/office/powerpoint/2010/main" val="3389873783"/>
+      </p:ext>
+    </p:extLst>
+  </p:cSld>
+  <p:clrMapOvr>
+    <a:masterClrMapping/>
+  </p:clrMapOvr>
+</p:sld>
+</file>
+
+<file path=ppt/slides/slide12.xml><?xml version="1.0" encoding="utf-8"?>
+<p:sld xmlns:a="http://schemas.openxmlformats.org/drawingml/2006/main" xmlns:r="http://schemas.openxmlformats.org/officeDocument/2006/relationships" xmlns:p="http://schemas.openxmlformats.org/presentationml/2006/main">
+  <p:cSld>
+    <p:spTree>
+      <p:nvGrpSpPr>
+        <p:cNvPr id="1" name=""/>
+        <p:cNvGrpSpPr/>
+        <p:nvPr/>
+      </p:nvGrpSpPr>
+      <p:grpSpPr>
+        <a:xfrm>
+          <a:off x="0" y="0"/>
+          <a:ext cx="0" cy="0"/>
+          <a:chOff x="0" y="0"/>
+          <a:chExt cx="0" cy="0"/>
+        </a:xfrm>
+      </p:grpSpPr>
+      <p:sp>
+        <p:nvSpPr>
+          <p:cNvPr id="36866" name="Rectangle 2"/>
+          <p:cNvSpPr>
+            <a:spLocks noGrp="1" noChangeArrowheads="1"/>
+          </p:cNvSpPr>
+          <p:nvPr>
+            <p:ph type="title"/>
+          </p:nvPr>
+        </p:nvSpPr>
+        <p:spPr>
+          <a:xfrm>
             <a:off x="4500562" y="2928934"/>
             <a:ext cx="3571900" cy="649288"/>
           </a:xfrm>
@@ -2718,7 +3065,7 @@
 </p:sld>
 </file>
 
-<file path=ppt/slides/slide11.xml><?xml version="1.0" encoding="utf-8"?>
+<file path=ppt/slides/slide13.xml><?xml version="1.0" encoding="utf-8"?>
 <p:sld xmlns:a="http://schemas.openxmlformats.org/drawingml/2006/main" xmlns:r="http://schemas.openxmlformats.org/officeDocument/2006/relationships" xmlns:p="http://schemas.openxmlformats.org/presentationml/2006/main">
   <p:cSld>
     <p:spTree>
@@ -3377,265 +3724,384 @@
           <a:chExt cx="0" cy="0"/>
         </a:xfrm>
       </p:grpSpPr>
+      <p:pic>
+        <p:nvPicPr>
+          <p:cNvPr id="4" name="Рисунок 7">
+            <a:extLst>
+              <a:ext uri="{FF2B5EF4-FFF2-40B4-BE49-F238E27FC236}">
+                <a16:creationId xmlns:a16="http://schemas.microsoft.com/office/drawing/2014/main" id="{B3D6D3C0-3836-D061-7A65-E572C59E3E5B}"/>
+              </a:ext>
+            </a:extLst>
+          </p:cNvPr>
+          <p:cNvPicPr>
+            <a:picLocks noChangeAspect="1" noChangeArrowheads="1"/>
+          </p:cNvPicPr>
+          <p:nvPr/>
+        </p:nvPicPr>
+        <p:blipFill>
+          <a:blip r:embed="rId2">
+            <a:extLst>
+              <a:ext uri="{28A0092B-C50C-407E-A947-70E740481C1C}">
+                <a14:useLocalDpi xmlns:a14="http://schemas.microsoft.com/office/drawing/2010/main" val="0"/>
+              </a:ext>
+            </a:extLst>
+          </a:blip>
+          <a:srcRect/>
+          <a:stretch>
+            <a:fillRect/>
+          </a:stretch>
+        </p:blipFill>
+        <p:spPr bwMode="auto">
+          <a:xfrm>
+            <a:off x="899592" y="260648"/>
+            <a:ext cx="1584325" cy="1584325"/>
+          </a:xfrm>
+          <a:prstGeom prst="rect">
+            <a:avLst/>
+          </a:prstGeom>
+          <a:noFill/>
+          <a:ln>
+            <a:noFill/>
+          </a:ln>
+          <a:extLst>
+            <a:ext uri="{909E8E84-426E-40DD-AFC4-6F175D3DCCD1}">
+              <a14:hiddenFill xmlns:a14="http://schemas.microsoft.com/office/drawing/2010/main">
+                <a:solidFill>
+                  <a:srgbClr val="FFFFFF"/>
+                </a:solidFill>
+              </a14:hiddenFill>
+            </a:ext>
+            <a:ext uri="{91240B29-F687-4F45-9708-019B960494DF}">
+              <a14:hiddenLine xmlns:a14="http://schemas.microsoft.com/office/drawing/2010/main" w="9525">
+                <a:solidFill>
+                  <a:srgbClr val="000000"/>
+                </a:solidFill>
+                <a:miter lim="800000"/>
+                <a:headEnd/>
+                <a:tailEnd/>
+              </a14:hiddenLine>
+            </a:ext>
+          </a:extLst>
+        </p:spPr>
+      </p:pic>
       <p:sp>
         <p:nvSpPr>
-          <p:cNvPr id="36866" name="Rectangle 2"/>
-          <p:cNvSpPr>
-            <a:spLocks noGrp="1" noChangeArrowheads="1"/>
+          <p:cNvPr id="7" name="TextBox 5">
+            <a:extLst>
+              <a:ext uri="{FF2B5EF4-FFF2-40B4-BE49-F238E27FC236}">
+                <a16:creationId xmlns:a16="http://schemas.microsoft.com/office/drawing/2014/main" id="{AEB91A0F-F805-0D30-CC62-AC01CF094DFF}"/>
+              </a:ext>
+            </a:extLst>
+          </p:cNvPr>
+          <p:cNvSpPr txBox="1">
+            <a:spLocks noChangeArrowheads="1"/>
           </p:cNvSpPr>
-          <p:nvPr>
-            <p:ph type="title"/>
-          </p:nvPr>
+          <p:nvPr/>
         </p:nvSpPr>
-        <p:spPr>
+        <p:spPr bwMode="auto">
           <a:xfrm>
-            <a:off x="4427538" y="1771650"/>
-            <a:ext cx="4073552" cy="649288"/>
+            <a:off x="158750" y="3356992"/>
+            <a:ext cx="8785225" cy="369887"/>
           </a:xfrm>
+          <a:prstGeom prst="rect">
+            <a:avLst/>
+          </a:prstGeom>
+          <a:noFill/>
+          <a:ln>
+            <a:noFill/>
+          </a:ln>
+          <a:extLst>
+            <a:ext uri="{909E8E84-426E-40DD-AFC4-6F175D3DCCD1}">
+              <a14:hiddenFill xmlns:a14="http://schemas.microsoft.com/office/drawing/2010/main">
+                <a:solidFill>
+                  <a:srgbClr val="FFFFFF"/>
+                </a:solidFill>
+              </a14:hiddenFill>
+            </a:ext>
+            <a:ext uri="{91240B29-F687-4F45-9708-019B960494DF}">
+              <a14:hiddenLine xmlns:a14="http://schemas.microsoft.com/office/drawing/2010/main" w="9525">
+                <a:solidFill>
+                  <a:srgbClr val="000000"/>
+                </a:solidFill>
+                <a:miter lim="800000"/>
+                <a:headEnd/>
+                <a:tailEnd/>
+              </a14:hiddenLine>
+            </a:ext>
+          </a:extLst>
         </p:spPr>
         <p:txBody>
-          <a:bodyPr/>
-          <a:lstStyle/>
-          <a:p>
-            <a:r>
-              <a:rPr lang="uk-UA" sz="3200" dirty="0">
-                <a:latin typeface="Tahoma" charset="0"/>
-              </a:rPr>
-              <a:t>Основні розділи</a:t>
-            </a:r>
+          <a:bodyPr>
+            <a:spAutoFit/>
+          </a:bodyPr>
+          <a:lstStyle>
+            <a:lvl1pPr>
+              <a:spcBef>
+                <a:spcPct val="20000"/>
+              </a:spcBef>
+              <a:buChar char="•"/>
+              <a:defRPr sz="3200">
+                <a:solidFill>
+                  <a:schemeClr val="tx1"/>
+                </a:solidFill>
+                <a:latin typeface="Trebuchet MS" panose="020B0603020202020204" pitchFamily="34" charset="0"/>
+              </a:defRPr>
+            </a:lvl1pPr>
+            <a:lvl2pPr marL="742950" indent="-285750">
+              <a:spcBef>
+                <a:spcPct val="20000"/>
+              </a:spcBef>
+              <a:buChar char="–"/>
+              <a:defRPr sz="2800">
+                <a:solidFill>
+                  <a:schemeClr val="tx1"/>
+                </a:solidFill>
+                <a:latin typeface="Trebuchet MS" panose="020B0603020202020204" pitchFamily="34" charset="0"/>
+              </a:defRPr>
+            </a:lvl2pPr>
+            <a:lvl3pPr marL="1143000" indent="-228600">
+              <a:spcBef>
+                <a:spcPct val="20000"/>
+              </a:spcBef>
+              <a:buChar char="•"/>
+              <a:defRPr sz="2400">
+                <a:solidFill>
+                  <a:schemeClr val="tx1"/>
+                </a:solidFill>
+                <a:latin typeface="Trebuchet MS" panose="020B0603020202020204" pitchFamily="34" charset="0"/>
+              </a:defRPr>
+            </a:lvl3pPr>
+            <a:lvl4pPr marL="1600200" indent="-228600">
+              <a:spcBef>
+                <a:spcPct val="20000"/>
+              </a:spcBef>
+              <a:buChar char="–"/>
+              <a:defRPr sz="2000">
+                <a:solidFill>
+                  <a:schemeClr val="tx1"/>
+                </a:solidFill>
+                <a:latin typeface="Trebuchet MS" panose="020B0603020202020204" pitchFamily="34" charset="0"/>
+              </a:defRPr>
+            </a:lvl4pPr>
+            <a:lvl5pPr marL="2057400" indent="-228600">
+              <a:spcBef>
+                <a:spcPct val="20000"/>
+              </a:spcBef>
+              <a:buChar char="»"/>
+              <a:defRPr sz="2000">
+                <a:solidFill>
+                  <a:schemeClr val="tx1"/>
+                </a:solidFill>
+                <a:latin typeface="Trebuchet MS" panose="020B0603020202020204" pitchFamily="34" charset="0"/>
+              </a:defRPr>
+            </a:lvl5pPr>
+            <a:lvl6pPr marL="2514600" indent="-228600" eaLnBrk="0" fontAlgn="base" hangingPunct="0">
+              <a:spcBef>
+                <a:spcPct val="20000"/>
+              </a:spcBef>
+              <a:spcAft>
+                <a:spcPct val="0"/>
+              </a:spcAft>
+              <a:buChar char="»"/>
+              <a:defRPr sz="2000">
+                <a:solidFill>
+                  <a:schemeClr val="tx1"/>
+                </a:solidFill>
+                <a:latin typeface="Trebuchet MS" panose="020B0603020202020204" pitchFamily="34" charset="0"/>
+              </a:defRPr>
+            </a:lvl6pPr>
+            <a:lvl7pPr marL="2971800" indent="-228600" eaLnBrk="0" fontAlgn="base" hangingPunct="0">
+              <a:spcBef>
+                <a:spcPct val="20000"/>
+              </a:spcBef>
+              <a:spcAft>
+                <a:spcPct val="0"/>
+              </a:spcAft>
+              <a:buChar char="»"/>
+              <a:defRPr sz="2000">
+                <a:solidFill>
+                  <a:schemeClr val="tx1"/>
+                </a:solidFill>
+                <a:latin typeface="Trebuchet MS" panose="020B0603020202020204" pitchFamily="34" charset="0"/>
+              </a:defRPr>
+            </a:lvl7pPr>
+            <a:lvl8pPr marL="3429000" indent="-228600" eaLnBrk="0" fontAlgn="base" hangingPunct="0">
+              <a:spcBef>
+                <a:spcPct val="20000"/>
+              </a:spcBef>
+              <a:spcAft>
+                <a:spcPct val="0"/>
+              </a:spcAft>
+              <a:buChar char="»"/>
+              <a:defRPr sz="2000">
+                <a:solidFill>
+                  <a:schemeClr val="tx1"/>
+                </a:solidFill>
+                <a:latin typeface="Trebuchet MS" panose="020B0603020202020204" pitchFamily="34" charset="0"/>
+              </a:defRPr>
+            </a:lvl8pPr>
+            <a:lvl9pPr marL="3886200" indent="-228600" eaLnBrk="0" fontAlgn="base" hangingPunct="0">
+              <a:spcBef>
+                <a:spcPct val="20000"/>
+              </a:spcBef>
+              <a:spcAft>
+                <a:spcPct val="0"/>
+              </a:spcAft>
+              <a:buChar char="»"/>
+              <a:defRPr sz="2000">
+                <a:solidFill>
+                  <a:schemeClr val="tx1"/>
+                </a:solidFill>
+                <a:latin typeface="Trebuchet MS" panose="020B0603020202020204" pitchFamily="34" charset="0"/>
+              </a:defRPr>
+            </a:lvl9pPr>
+          </a:lstStyle>
+          <a:p>
+            <a:pPr>
+              <a:spcBef>
+                <a:spcPct val="0"/>
+              </a:spcBef>
+              <a:buFontTx/>
+              <a:buNone/>
+            </a:pPr>
+            <a:r>
+              <a:rPr lang="en-US" altLang="uk-UA" sz="1800" dirty="0">
+                <a:latin typeface="Times New Roman" panose="02020603050405020304" pitchFamily="18" charset="0"/>
+                <a:ea typeface="Times New Roman" panose="02020603050405020304" pitchFamily="18" charset="0"/>
+                <a:cs typeface="ArialMT"/>
+              </a:rPr>
+              <a:t>https://knu-ua.zoom.us/j/4269516219?pwd=ak1XbmprdFBUQnRZOWszWU91VHdyUT09</a:t>
+            </a:r>
+            <a:endParaRPr lang="uk-UA" altLang="uk-UA" sz="1800" dirty="0">
+              <a:latin typeface="Arial" panose="020B0604020202020204" pitchFamily="34" charset="0"/>
+              <a:ea typeface="Times New Roman" panose="02020603050405020304" pitchFamily="18" charset="0"/>
+              <a:cs typeface="ArialMT"/>
+            </a:endParaRPr>
           </a:p>
         </p:txBody>
       </p:sp>
       <p:sp>
         <p:nvSpPr>
-          <p:cNvPr id="36867" name="Rectangle 3"/>
+          <p:cNvPr id="8" name="Rectangle 1">
+            <a:extLst>
+              <a:ext uri="{FF2B5EF4-FFF2-40B4-BE49-F238E27FC236}">
+                <a16:creationId xmlns:a16="http://schemas.microsoft.com/office/drawing/2014/main" id="{B45FE8F8-D91F-89EE-8F2D-F9C6A43B7A8D}"/>
+              </a:ext>
+            </a:extLst>
+          </p:cNvPr>
           <p:cNvSpPr>
-            <a:spLocks noGrp="1" noChangeArrowheads="1"/>
+            <a:spLocks noChangeArrowheads="1"/>
           </p:cNvSpPr>
-          <p:nvPr>
-            <p:ph type="body" idx="1"/>
-          </p:nvPr>
+          <p:nvPr/>
         </p:nvSpPr>
+        <p:spPr bwMode="auto">
+          <a:xfrm>
+            <a:off x="268542" y="4581128"/>
+            <a:ext cx="4324350" cy="908050"/>
+          </a:xfrm>
+          <a:prstGeom prst="rect">
+            <a:avLst/>
+          </a:prstGeom>
+          <a:noFill/>
+          <a:ln>
+            <a:noFill/>
+          </a:ln>
+          <a:effectLst/>
+        </p:spPr>
+        <p:txBody>
+          <a:bodyPr wrap="none" bIns="0" anchor="ctr">
+            <a:spAutoFit/>
+          </a:bodyPr>
+          <a:lstStyle/>
+          <a:p>
+            <a:pPr>
+              <a:defRPr/>
+            </a:pPr>
+            <a:r>
+              <a:rPr lang="en-US" altLang="uk-UA" sz="2800" dirty="0">
+                <a:solidFill>
+                  <a:schemeClr val="bg1">
+                    <a:lumMod val="50000"/>
+                  </a:schemeClr>
+                </a:solidFill>
+                <a:latin typeface="Arial Unicode MS"/>
+                <a:ea typeface="Times New Roman" panose="02020603050405020304" pitchFamily="18" charset="0"/>
+                <a:cs typeface="Calibri Light" panose="020F0302020204030204" pitchFamily="34" charset="0"/>
+              </a:rPr>
+              <a:t>Meeting ID: 426 951 6219</a:t>
+            </a:r>
+          </a:p>
+          <a:p>
+            <a:pPr>
+              <a:defRPr/>
+            </a:pPr>
+            <a:r>
+              <a:rPr lang="en-US" altLang="uk-UA" sz="2800" dirty="0">
+                <a:solidFill>
+                  <a:schemeClr val="bg1">
+                    <a:lumMod val="25000"/>
+                  </a:schemeClr>
+                </a:solidFill>
+                <a:ea typeface="Times New Roman" panose="02020603050405020304" pitchFamily="18" charset="0"/>
+                <a:cs typeface="ArialMT"/>
+              </a:rPr>
+              <a:t>Passcode: 1</a:t>
+            </a:r>
+            <a:r>
+              <a:rPr lang="uk-UA" altLang="uk-UA" sz="2800" dirty="0">
+                <a:solidFill>
+                  <a:schemeClr val="bg1">
+                    <a:lumMod val="25000"/>
+                  </a:schemeClr>
+                </a:solidFill>
+              </a:rPr>
+              <a:t> </a:t>
+            </a:r>
+          </a:p>
+        </p:txBody>
+      </p:sp>
+      <p:pic>
+        <p:nvPicPr>
+          <p:cNvPr id="10" name="Рисунок 9">
+            <a:extLst>
+              <a:ext uri="{FF2B5EF4-FFF2-40B4-BE49-F238E27FC236}">
+                <a16:creationId xmlns:a16="http://schemas.microsoft.com/office/drawing/2014/main" id="{BE96C0AE-2A8C-FFE6-D5AC-F256AD934ABC}"/>
+              </a:ext>
+            </a:extLst>
+          </p:cNvPr>
+          <p:cNvPicPr>
+            <a:picLocks noChangeAspect="1"/>
+          </p:cNvPicPr>
+          <p:nvPr/>
+        </p:nvPicPr>
+        <p:blipFill>
+          <a:blip r:embed="rId3" cstate="print">
+            <a:extLst>
+              <a:ext uri="{28A0092B-C50C-407E-A947-70E740481C1C}">
+                <a14:useLocalDpi xmlns:a14="http://schemas.microsoft.com/office/drawing/2010/main" val="0"/>
+              </a:ext>
+            </a:extLst>
+          </a:blip>
+          <a:stretch>
+            <a:fillRect/>
+          </a:stretch>
+        </p:blipFill>
         <p:spPr>
           <a:xfrm>
-            <a:off x="1000101" y="2778127"/>
-            <a:ext cx="7820050" cy="3436955"/>
+            <a:off x="5940152" y="3906750"/>
+            <a:ext cx="2664296" cy="2664296"/>
           </a:xfrm>
+          <a:prstGeom prst="rect">
+            <a:avLst/>
+          </a:prstGeom>
         </p:spPr>
-        <p:txBody>
-          <a:bodyPr/>
-          <a:lstStyle/>
-          <a:p>
-            <a:pPr>
-              <a:lnSpc>
-                <a:spcPct val="80000"/>
-              </a:lnSpc>
-            </a:pPr>
-            <a:r>
-              <a:rPr lang="uk-UA" altLang="ko-KR" sz="3600" dirty="0">
-                <a:solidFill>
-                  <a:schemeClr val="tx1"/>
-                </a:solidFill>
-                <a:latin typeface="Verdana" pitchFamily="34" charset="0"/>
-                <a:ea typeface="굴림" charset="-127"/>
-              </a:rPr>
-              <a:t>Магнетизм</a:t>
-            </a:r>
-            <a:endParaRPr lang="en-US" altLang="ko-KR" sz="3600" dirty="0">
-              <a:solidFill>
-                <a:schemeClr val="tx1"/>
-              </a:solidFill>
-              <a:latin typeface="Verdana" pitchFamily="34" charset="0"/>
-              <a:ea typeface="굴림" charset="-127"/>
-            </a:endParaRPr>
-          </a:p>
-          <a:p>
-            <a:pPr>
-              <a:lnSpc>
-                <a:spcPct val="80000"/>
-              </a:lnSpc>
-            </a:pPr>
-            <a:endParaRPr lang="en-US" altLang="ko-KR" sz="3600" dirty="0">
-              <a:solidFill>
-                <a:schemeClr val="tx1"/>
-              </a:solidFill>
-              <a:latin typeface="Verdana" pitchFamily="34" charset="0"/>
-              <a:ea typeface="굴림" charset="-127"/>
-            </a:endParaRPr>
-          </a:p>
-          <a:p>
-            <a:pPr>
-              <a:lnSpc>
-                <a:spcPct val="80000"/>
-              </a:lnSpc>
-            </a:pPr>
-            <a:r>
-              <a:rPr lang="ru-RU" altLang="ko-KR" sz="3600" dirty="0">
-                <a:solidFill>
-                  <a:schemeClr val="tx1"/>
-                </a:solidFill>
-                <a:latin typeface="Verdana" pitchFamily="34" charset="0"/>
-                <a:ea typeface="굴림" charset="-127"/>
-              </a:rPr>
-              <a:t>Оптика  </a:t>
-            </a:r>
-            <a:endParaRPr lang="en-US" altLang="ko-KR" sz="3600" dirty="0">
-              <a:solidFill>
-                <a:schemeClr val="tx1"/>
-              </a:solidFill>
-              <a:latin typeface="Verdana" pitchFamily="34" charset="0"/>
-              <a:ea typeface="굴림" charset="-127"/>
-            </a:endParaRPr>
-          </a:p>
-          <a:p>
-            <a:pPr>
-              <a:lnSpc>
-                <a:spcPct val="80000"/>
-              </a:lnSpc>
-            </a:pPr>
-            <a:endParaRPr lang="en-US" altLang="ko-KR" sz="3600" dirty="0">
-              <a:solidFill>
-                <a:schemeClr val="tx1"/>
-              </a:solidFill>
-              <a:latin typeface="Verdana" pitchFamily="34" charset="0"/>
-              <a:ea typeface="굴림" charset="-127"/>
-            </a:endParaRPr>
-          </a:p>
-          <a:p>
-            <a:pPr>
-              <a:lnSpc>
-                <a:spcPct val="80000"/>
-              </a:lnSpc>
-            </a:pPr>
-            <a:r>
-              <a:rPr lang="ru-RU" altLang="ko-KR" sz="3600" dirty="0" err="1">
-                <a:solidFill>
-                  <a:schemeClr val="tx1"/>
-                </a:solidFill>
-                <a:latin typeface="Verdana" pitchFamily="34" charset="0"/>
-                <a:ea typeface="굴림" charset="-127"/>
-              </a:rPr>
-              <a:t>Елементи</a:t>
-            </a:r>
-            <a:r>
-              <a:rPr lang="ru-RU" altLang="ko-KR" sz="3600" dirty="0">
-                <a:solidFill>
-                  <a:schemeClr val="tx1"/>
-                </a:solidFill>
-                <a:latin typeface="Verdana" pitchFamily="34" charset="0"/>
-                <a:ea typeface="굴림" charset="-127"/>
-              </a:rPr>
-              <a:t> </a:t>
-            </a:r>
-            <a:r>
-              <a:rPr lang="ru-RU" altLang="ko-KR" sz="3600" dirty="0" err="1">
-                <a:solidFill>
-                  <a:schemeClr val="tx1"/>
-                </a:solidFill>
-                <a:latin typeface="Verdana" pitchFamily="34" charset="0"/>
-                <a:ea typeface="굴림" charset="-127"/>
-              </a:rPr>
-              <a:t>квантової</a:t>
-            </a:r>
-            <a:r>
-              <a:rPr lang="ru-RU" altLang="ko-KR" sz="3600" dirty="0">
-                <a:solidFill>
-                  <a:schemeClr val="tx1"/>
-                </a:solidFill>
-                <a:latin typeface="Verdana" pitchFamily="34" charset="0"/>
-                <a:ea typeface="굴림" charset="-127"/>
-              </a:rPr>
-              <a:t> </a:t>
-            </a:r>
-            <a:r>
-              <a:rPr lang="ru-RU" altLang="ko-KR" sz="3600" dirty="0" err="1">
-                <a:solidFill>
-                  <a:schemeClr val="tx1"/>
-                </a:solidFill>
-                <a:latin typeface="Verdana" pitchFamily="34" charset="0"/>
-                <a:ea typeface="굴림" charset="-127"/>
-              </a:rPr>
-              <a:t>механіки</a:t>
-            </a:r>
-            <a:r>
-              <a:rPr lang="ru-RU" altLang="ko-KR" sz="3600" dirty="0">
-                <a:solidFill>
-                  <a:schemeClr val="tx1"/>
-                </a:solidFill>
-                <a:latin typeface="Verdana" pitchFamily="34" charset="0"/>
-                <a:ea typeface="굴림" charset="-127"/>
-              </a:rPr>
-              <a:t>, </a:t>
-            </a:r>
-            <a:r>
-              <a:rPr lang="ru-RU" altLang="ko-KR" sz="3600" dirty="0" err="1">
-                <a:solidFill>
-                  <a:schemeClr val="tx1"/>
-                </a:solidFill>
-                <a:latin typeface="Verdana" pitchFamily="34" charset="0"/>
-                <a:ea typeface="굴림" charset="-127"/>
-              </a:rPr>
-              <a:t>атомної</a:t>
-            </a:r>
-            <a:r>
-              <a:rPr lang="ru-RU" altLang="ko-KR" sz="3600" dirty="0">
-                <a:solidFill>
-                  <a:schemeClr val="tx1"/>
-                </a:solidFill>
-                <a:latin typeface="Verdana" pitchFamily="34" charset="0"/>
-                <a:ea typeface="굴림" charset="-127"/>
-              </a:rPr>
-              <a:t> та </a:t>
-            </a:r>
-            <a:r>
-              <a:rPr lang="ru-RU" altLang="ko-KR" sz="3600" dirty="0" err="1">
-                <a:solidFill>
-                  <a:schemeClr val="tx1"/>
-                </a:solidFill>
-                <a:latin typeface="Verdana" pitchFamily="34" charset="0"/>
-                <a:ea typeface="굴림" charset="-127"/>
-              </a:rPr>
-              <a:t>ядерної</a:t>
-            </a:r>
-            <a:r>
-              <a:rPr lang="ru-RU" altLang="ko-KR" sz="3600" dirty="0">
-                <a:solidFill>
-                  <a:schemeClr val="tx1"/>
-                </a:solidFill>
-                <a:latin typeface="Verdana" pitchFamily="34" charset="0"/>
-                <a:ea typeface="굴림" charset="-127"/>
-              </a:rPr>
-              <a:t> </a:t>
-            </a:r>
-            <a:r>
-              <a:rPr lang="ru-RU" altLang="ko-KR" sz="3600" dirty="0" err="1">
-                <a:solidFill>
-                  <a:schemeClr val="tx1"/>
-                </a:solidFill>
-                <a:latin typeface="Verdana" pitchFamily="34" charset="0"/>
-                <a:ea typeface="굴림" charset="-127"/>
-              </a:rPr>
-              <a:t>фізики</a:t>
-            </a:r>
-            <a:r>
-              <a:rPr lang="ru-RU" altLang="ko-KR" sz="3600" dirty="0">
-                <a:solidFill>
-                  <a:schemeClr val="tx1"/>
-                </a:solidFill>
-                <a:latin typeface="Verdana" pitchFamily="34" charset="0"/>
-                <a:ea typeface="굴림" charset="-127"/>
-              </a:rPr>
-              <a:t> </a:t>
-            </a:r>
-            <a:endParaRPr lang="uk-UA" sz="3600" dirty="0">
-              <a:solidFill>
-                <a:schemeClr val="tx1"/>
-              </a:solidFill>
-            </a:endParaRPr>
-          </a:p>
-        </p:txBody>
-      </p:sp>
+      </p:pic>
     </p:spTree>
+    <p:extLst>
+      <p:ext uri="{BB962C8B-B14F-4D97-AF65-F5344CB8AC3E}">
+        <p14:creationId xmlns:p14="http://schemas.microsoft.com/office/powerpoint/2010/main" val="3638712319"/>
+      </p:ext>
+    </p:extLst>
   </p:cSld>
   <p:clrMapOvr>
     <a:masterClrMapping/>
@@ -3672,8 +4138,8 @@
         </p:nvSpPr>
         <p:spPr>
           <a:xfrm>
-            <a:off x="5286380" y="1785926"/>
-            <a:ext cx="2859106" cy="649288"/>
+            <a:off x="4427538" y="1771650"/>
+            <a:ext cx="4073552" cy="649288"/>
           </a:xfrm>
         </p:spPr>
         <p:txBody>
@@ -3684,7 +4150,7 @@
               <a:rPr lang="uk-UA" sz="3200" dirty="0">
                 <a:latin typeface="Tahoma" charset="0"/>
               </a:rPr>
-              <a:t>Види занять</a:t>
+              <a:t>Основні розділи</a:t>
             </a:r>
           </a:p>
         </p:txBody>
@@ -3701,8 +4167,8 @@
         </p:nvSpPr>
         <p:spPr>
           <a:xfrm>
-            <a:off x="1476375" y="2492375"/>
-            <a:ext cx="7343775" cy="4032250"/>
+            <a:off x="1000101" y="2778127"/>
+            <a:ext cx="7820050" cy="3436955"/>
           </a:xfrm>
         </p:spPr>
         <p:txBody>
@@ -3722,30 +4188,9 @@
                 <a:latin typeface="Verdana" pitchFamily="34" charset="0"/>
                 <a:ea typeface="굴림" charset="-127"/>
               </a:rPr>
-              <a:t>Лекції </a:t>
-            </a:r>
-          </a:p>
-          <a:p>
-            <a:pPr indent="379413">
-              <a:lnSpc>
-                <a:spcPct val="80000"/>
-              </a:lnSpc>
-              <a:spcAft>
-                <a:spcPts val="1200"/>
-              </a:spcAft>
-              <a:buNone/>
-            </a:pPr>
-            <a:r>
-              <a:rPr lang="uk-UA" altLang="ko-KR" sz="2400" i="1" dirty="0">
-                <a:solidFill>
-                  <a:schemeClr val="tx1"/>
-                </a:solidFill>
-                <a:latin typeface="Verdana" pitchFamily="34" charset="0"/>
-                <a:ea typeface="굴림" charset="-127"/>
-              </a:rPr>
-              <a:t>теоретичні відомості</a:t>
-            </a:r>
-            <a:endParaRPr lang="en-US" altLang="ko-KR" sz="2400" i="1" dirty="0">
+              <a:t>Магнетизм</a:t>
+            </a:r>
+            <a:endParaRPr lang="en-US" altLang="ko-KR" sz="3600" dirty="0">
               <a:solidFill>
                 <a:schemeClr val="tx1"/>
               </a:solidFill>
@@ -3759,78 +4204,7 @@
                 <a:spcPct val="80000"/>
               </a:lnSpc>
             </a:pPr>
-            <a:r>
-              <a:rPr lang="ru-RU" altLang="ko-KR" sz="3600" dirty="0" err="1">
-                <a:solidFill>
-                  <a:schemeClr val="tx1"/>
-                </a:solidFill>
-                <a:latin typeface="Verdana" pitchFamily="34" charset="0"/>
-                <a:ea typeface="굴림" charset="-127"/>
-              </a:rPr>
-              <a:t>Практичні</a:t>
-            </a:r>
-            <a:r>
-              <a:rPr lang="ru-RU" altLang="ko-KR" sz="3600" dirty="0">
-                <a:solidFill>
-                  <a:schemeClr val="tx1"/>
-                </a:solidFill>
-                <a:latin typeface="Verdana" pitchFamily="34" charset="0"/>
-                <a:ea typeface="굴림" charset="-127"/>
-              </a:rPr>
-              <a:t> </a:t>
-            </a:r>
-          </a:p>
-          <a:p>
-            <a:pPr indent="379413">
-              <a:lnSpc>
-                <a:spcPct val="80000"/>
-              </a:lnSpc>
-              <a:spcAft>
-                <a:spcPts val="1200"/>
-              </a:spcAft>
-              <a:buNone/>
-            </a:pPr>
-            <a:r>
-              <a:rPr lang="ru-RU" altLang="ko-KR" sz="2400" i="1" dirty="0" err="1">
-                <a:solidFill>
-                  <a:schemeClr val="tx1"/>
-                </a:solidFill>
-                <a:latin typeface="Verdana" pitchFamily="34" charset="0"/>
-                <a:ea typeface="굴림" charset="-127"/>
-              </a:rPr>
-              <a:t>розв</a:t>
-            </a:r>
-            <a:r>
-              <a:rPr lang="en-US" altLang="ko-KR" sz="2400" i="1" dirty="0">
-                <a:solidFill>
-                  <a:schemeClr val="tx1"/>
-                </a:solidFill>
-                <a:latin typeface="Verdana" pitchFamily="34" charset="0"/>
-                <a:ea typeface="굴림" charset="-127"/>
-              </a:rPr>
-              <a:t>’</a:t>
-            </a:r>
-            <a:r>
-              <a:rPr lang="uk-UA" altLang="ko-KR" sz="2400" i="1" dirty="0" err="1">
-                <a:solidFill>
-                  <a:schemeClr val="tx1"/>
-                </a:solidFill>
-                <a:latin typeface="Verdana" pitchFamily="34" charset="0"/>
-                <a:ea typeface="굴림" charset="-127"/>
-              </a:rPr>
-              <a:t>язок</a:t>
-            </a:r>
-            <a:r>
-              <a:rPr lang="uk-UA" altLang="ko-KR" sz="2400" i="1" dirty="0">
-                <a:solidFill>
-                  <a:schemeClr val="tx1"/>
-                </a:solidFill>
-                <a:latin typeface="Verdana" pitchFamily="34" charset="0"/>
-                <a:ea typeface="굴림" charset="-127"/>
-              </a:rPr>
-              <a:t> задач, контрольні</a:t>
-            </a:r>
-            <a:endParaRPr lang="en-US" altLang="ko-KR" sz="2400" i="1" dirty="0">
+            <a:endParaRPr lang="en-US" altLang="ko-KR" sz="3600" dirty="0">
               <a:solidFill>
                 <a:schemeClr val="tx1"/>
               </a:solidFill>
@@ -3845,16 +4219,6 @@
               </a:lnSpc>
             </a:pPr>
             <a:r>
-              <a:rPr lang="ru-RU" altLang="ko-KR" sz="3600" dirty="0" err="1">
-                <a:solidFill>
-                  <a:schemeClr val="tx1"/>
-                </a:solidFill>
-                <a:latin typeface="Verdana" pitchFamily="34" charset="0"/>
-                <a:ea typeface="굴림" charset="-127"/>
-              </a:rPr>
-              <a:t>Лабораторні</a:t>
-            </a:r>
-            <a:r>
               <a:rPr lang="ru-RU" altLang="ko-KR" sz="3600" dirty="0">
                 <a:solidFill>
                   <a:schemeClr val="tx1"/>
@@ -3862,292 +4226,160 @@
                 <a:latin typeface="Verdana" pitchFamily="34" charset="0"/>
                 <a:ea typeface="굴림" charset="-127"/>
               </a:rPr>
-              <a:t> </a:t>
-            </a:r>
-            <a:r>
-              <a:rPr lang="ru-RU" altLang="ko-KR" sz="3600" dirty="0" err="1">
-                <a:solidFill>
-                  <a:schemeClr val="tx1"/>
-                </a:solidFill>
-                <a:latin typeface="Verdana" pitchFamily="34" charset="0"/>
-                <a:ea typeface="굴림" charset="-127"/>
-              </a:rPr>
-              <a:t>роботи</a:t>
-            </a:r>
-            <a:r>
-              <a:rPr lang="ru-RU" altLang="ko-KR" sz="3600" dirty="0">
-                <a:solidFill>
-                  <a:schemeClr val="tx1"/>
-                </a:solidFill>
-                <a:latin typeface="Verdana" pitchFamily="34" charset="0"/>
-                <a:ea typeface="굴림" charset="-127"/>
-              </a:rPr>
-              <a:t> </a:t>
-            </a:r>
-          </a:p>
-          <a:p>
-            <a:pPr marL="722313" indent="0">
-              <a:lnSpc>
-                <a:spcPct val="80000"/>
-              </a:lnSpc>
-              <a:buNone/>
-            </a:pPr>
-            <a:r>
-              <a:rPr lang="ru-RU" altLang="ko-KR" sz="2400" i="1" dirty="0" err="1">
-                <a:solidFill>
-                  <a:schemeClr val="tx1"/>
-                </a:solidFill>
-                <a:latin typeface="Verdana" pitchFamily="34" charset="0"/>
-                <a:ea typeface="굴림" charset="-127"/>
-              </a:rPr>
-              <a:t>більш</a:t>
-            </a:r>
-            <a:r>
-              <a:rPr lang="ru-RU" altLang="ko-KR" sz="2400" i="1" dirty="0">
-                <a:solidFill>
-                  <a:schemeClr val="tx1"/>
-                </a:solidFill>
-                <a:latin typeface="Verdana" pitchFamily="34" charset="0"/>
-                <a:ea typeface="굴림" charset="-127"/>
-              </a:rPr>
-              <a:t> </a:t>
-            </a:r>
-            <a:r>
-              <a:rPr lang="ru-RU" altLang="ko-KR" sz="2400" i="1" dirty="0" err="1">
-                <a:solidFill>
-                  <a:schemeClr val="tx1"/>
-                </a:solidFill>
-                <a:latin typeface="Verdana" pitchFamily="34" charset="0"/>
-                <a:ea typeface="굴림" charset="-127"/>
-              </a:rPr>
-              <a:t>близьке</a:t>
-            </a:r>
-            <a:r>
-              <a:rPr lang="ru-RU" altLang="ko-KR" sz="2400" i="1" dirty="0">
-                <a:solidFill>
-                  <a:schemeClr val="tx1"/>
-                </a:solidFill>
-                <a:latin typeface="Verdana" pitchFamily="34" charset="0"/>
-                <a:ea typeface="굴림" charset="-127"/>
-              </a:rPr>
-              <a:t> </a:t>
-            </a:r>
-            <a:r>
-              <a:rPr lang="ru-RU" altLang="ko-KR" sz="2400" i="1" dirty="0" err="1">
-                <a:solidFill>
-                  <a:schemeClr val="tx1"/>
-                </a:solidFill>
-                <a:latin typeface="Verdana" pitchFamily="34" charset="0"/>
-                <a:ea typeface="굴림" charset="-127"/>
-              </a:rPr>
-              <a:t>знайомство</a:t>
-            </a:r>
-            <a:r>
-              <a:rPr lang="ru-RU" altLang="ko-KR" sz="2400" i="1" dirty="0">
-                <a:solidFill>
-                  <a:schemeClr val="tx1"/>
-                </a:solidFill>
-                <a:latin typeface="Verdana" pitchFamily="34" charset="0"/>
-                <a:ea typeface="굴림" charset="-127"/>
-              </a:rPr>
-              <a:t> </a:t>
-            </a:r>
-            <a:r>
-              <a:rPr lang="ru-RU" altLang="ko-KR" sz="2400" i="1" dirty="0" err="1">
-                <a:solidFill>
-                  <a:schemeClr val="tx1"/>
-                </a:solidFill>
-                <a:latin typeface="Verdana" pitchFamily="34" charset="0"/>
-                <a:ea typeface="굴림" charset="-127"/>
-              </a:rPr>
-              <a:t>з</a:t>
-            </a:r>
-            <a:r>
-              <a:rPr lang="ru-RU" altLang="ko-KR" sz="2400" i="1" dirty="0">
-                <a:solidFill>
-                  <a:schemeClr val="tx1"/>
-                </a:solidFill>
-                <a:latin typeface="Verdana" pitchFamily="34" charset="0"/>
-                <a:ea typeface="굴림" charset="-127"/>
-              </a:rPr>
-              <a:t> </a:t>
-            </a:r>
-            <a:r>
-              <a:rPr lang="ru-RU" altLang="ko-KR" sz="2400" i="1" dirty="0" err="1">
-                <a:solidFill>
-                  <a:schemeClr val="tx1"/>
-                </a:solidFill>
-                <a:latin typeface="Verdana" pitchFamily="34" charset="0"/>
-                <a:ea typeface="굴림" charset="-127"/>
-              </a:rPr>
-              <a:t>фізичними</a:t>
-            </a:r>
-            <a:r>
-              <a:rPr lang="ru-RU" altLang="ko-KR" sz="2400" i="1" dirty="0">
-                <a:solidFill>
-                  <a:schemeClr val="tx1"/>
-                </a:solidFill>
-                <a:latin typeface="Verdana" pitchFamily="34" charset="0"/>
-                <a:ea typeface="굴림" charset="-127"/>
-              </a:rPr>
-              <a:t> </a:t>
-            </a:r>
-            <a:r>
-              <a:rPr lang="ru-RU" altLang="ko-KR" sz="2400" i="1" dirty="0" err="1">
-                <a:solidFill>
-                  <a:schemeClr val="tx1"/>
-                </a:solidFill>
-                <a:latin typeface="Verdana" pitchFamily="34" charset="0"/>
-                <a:ea typeface="굴림" charset="-127"/>
-              </a:rPr>
-              <a:t>явищами</a:t>
-            </a:r>
-            <a:r>
-              <a:rPr lang="ru-RU" altLang="ko-KR" sz="2400" i="1" dirty="0">
-                <a:solidFill>
-                  <a:schemeClr val="tx1"/>
-                </a:solidFill>
-                <a:latin typeface="Verdana" pitchFamily="34" charset="0"/>
-                <a:ea typeface="굴림" charset="-127"/>
-              </a:rPr>
-              <a:t> та </a:t>
-            </a:r>
-            <a:r>
-              <a:rPr lang="ru-RU" altLang="ko-KR" sz="2400" i="1" dirty="0" err="1">
-                <a:solidFill>
-                  <a:schemeClr val="tx1"/>
-                </a:solidFill>
-                <a:latin typeface="Verdana" pitchFamily="34" charset="0"/>
-                <a:ea typeface="굴림" charset="-127"/>
-              </a:rPr>
-              <a:t>приладами</a:t>
-            </a:r>
-            <a:r>
-              <a:rPr lang="ru-RU" altLang="ko-KR" sz="2400" i="1" dirty="0">
-                <a:solidFill>
-                  <a:schemeClr val="tx1"/>
-                </a:solidFill>
-                <a:latin typeface="Verdana" pitchFamily="34" charset="0"/>
-                <a:ea typeface="굴림" charset="-127"/>
-              </a:rPr>
-              <a:t>, </a:t>
-            </a:r>
-            <a:r>
-              <a:rPr lang="ru-RU" altLang="ko-KR" sz="2400" i="1" dirty="0" err="1">
-                <a:solidFill>
-                  <a:schemeClr val="tx1"/>
-                </a:solidFill>
-                <a:latin typeface="Verdana" pitchFamily="34" charset="0"/>
-                <a:ea typeface="굴림" charset="-127"/>
-              </a:rPr>
-              <a:t>розрахунки</a:t>
-            </a:r>
-            <a:r>
-              <a:rPr lang="ru-RU" altLang="ko-KR" sz="2400" i="1" dirty="0">
-                <a:solidFill>
-                  <a:schemeClr val="tx1"/>
-                </a:solidFill>
-                <a:latin typeface="Verdana" pitchFamily="34" charset="0"/>
-                <a:ea typeface="굴림" charset="-127"/>
-              </a:rPr>
-              <a:t> на </a:t>
-            </a:r>
-            <a:r>
-              <a:rPr lang="ru-RU" altLang="ko-KR" sz="2400" i="1" dirty="0" err="1">
-                <a:solidFill>
-                  <a:schemeClr val="tx1"/>
-                </a:solidFill>
-                <a:latin typeface="Verdana" pitchFamily="34" charset="0"/>
-                <a:ea typeface="굴림" charset="-127"/>
-              </a:rPr>
-              <a:t>основі</a:t>
-            </a:r>
-            <a:r>
-              <a:rPr lang="ru-RU" altLang="ko-KR" sz="2400" i="1" dirty="0">
-                <a:solidFill>
-                  <a:schemeClr val="tx1"/>
-                </a:solidFill>
-                <a:latin typeface="Verdana" pitchFamily="34" charset="0"/>
-                <a:ea typeface="굴림" charset="-127"/>
-              </a:rPr>
-              <a:t> </a:t>
-            </a:r>
-            <a:r>
-              <a:rPr lang="ru-RU" altLang="ko-KR" sz="2400" i="1" dirty="0" err="1">
-                <a:solidFill>
-                  <a:schemeClr val="tx1"/>
-                </a:solidFill>
-                <a:latin typeface="Verdana" pitchFamily="34" charset="0"/>
-                <a:ea typeface="굴림" charset="-127"/>
-              </a:rPr>
-              <a:t>результатів</a:t>
-            </a:r>
-            <a:r>
-              <a:rPr lang="ru-RU" altLang="ko-KR" sz="2400" i="1" dirty="0">
-                <a:solidFill>
-                  <a:schemeClr val="tx1"/>
-                </a:solidFill>
-                <a:latin typeface="Verdana" pitchFamily="34" charset="0"/>
-                <a:ea typeface="굴림" charset="-127"/>
-              </a:rPr>
-              <a:t> </a:t>
-            </a:r>
-            <a:r>
-              <a:rPr lang="ru-RU" altLang="ko-KR" sz="2400" i="1" dirty="0" err="1">
-                <a:solidFill>
-                  <a:schemeClr val="tx1"/>
-                </a:solidFill>
-                <a:latin typeface="Verdana" pitchFamily="34" charset="0"/>
-                <a:ea typeface="굴림" charset="-127"/>
-              </a:rPr>
-              <a:t>вимірювань</a:t>
-            </a:r>
-            <a:r>
-              <a:rPr lang="ru-RU" altLang="ko-KR" sz="2400" i="1" dirty="0">
-                <a:solidFill>
-                  <a:schemeClr val="tx1"/>
-                </a:solidFill>
-                <a:latin typeface="Verdana" pitchFamily="34" charset="0"/>
-                <a:ea typeface="굴림" charset="-127"/>
-              </a:rPr>
-              <a:t>, </a:t>
-            </a:r>
-            <a:r>
-              <a:rPr lang="ru-RU" altLang="ko-KR" sz="2400" i="1" dirty="0" err="1">
-                <a:solidFill>
-                  <a:schemeClr val="tx1"/>
-                </a:solidFill>
-                <a:latin typeface="Verdana" pitchFamily="34" charset="0"/>
-                <a:ea typeface="굴림" charset="-127"/>
-              </a:rPr>
-              <a:t>здача</a:t>
-            </a:r>
-            <a:r>
-              <a:rPr lang="ru-RU" altLang="ko-KR" sz="2400" i="1" dirty="0">
-                <a:solidFill>
-                  <a:schemeClr val="tx1"/>
-                </a:solidFill>
-                <a:latin typeface="Verdana" pitchFamily="34" charset="0"/>
-                <a:ea typeface="굴림" charset="-127"/>
-              </a:rPr>
-              <a:t> </a:t>
-            </a:r>
-            <a:r>
-              <a:rPr lang="ru-RU" altLang="ko-KR" sz="2400" i="1" dirty="0" err="1">
-                <a:solidFill>
-                  <a:schemeClr val="tx1"/>
-                </a:solidFill>
-                <a:latin typeface="Verdana" pitchFamily="34" charset="0"/>
-                <a:ea typeface="굴림" charset="-127"/>
-              </a:rPr>
-              <a:t>робіт</a:t>
-            </a:r>
-            <a:endParaRPr lang="uk-UA" altLang="ko-KR" sz="2400" i="1" dirty="0">
+              <a:t>Оптика  </a:t>
+            </a:r>
+            <a:endParaRPr lang="en-US" altLang="ko-KR" sz="3600" dirty="0">
               <a:solidFill>
                 <a:schemeClr val="tx1"/>
               </a:solidFill>
               <a:latin typeface="Verdana" pitchFamily="34" charset="0"/>
               <a:ea typeface="굴림" charset="-127"/>
+            </a:endParaRPr>
+          </a:p>
+          <a:p>
+            <a:pPr>
+              <a:lnSpc>
+                <a:spcPct val="80000"/>
+              </a:lnSpc>
+            </a:pPr>
+            <a:endParaRPr lang="en-US" altLang="ko-KR" sz="3600" dirty="0">
+              <a:solidFill>
+                <a:schemeClr val="tx1"/>
+              </a:solidFill>
+              <a:latin typeface="Verdana" pitchFamily="34" charset="0"/>
+              <a:ea typeface="굴림" charset="-127"/>
+            </a:endParaRPr>
+          </a:p>
+          <a:p>
+            <a:pPr>
+              <a:lnSpc>
+                <a:spcPct val="80000"/>
+              </a:lnSpc>
+            </a:pPr>
+            <a:r>
+              <a:rPr lang="ru-RU" altLang="ko-KR" sz="3600" dirty="0" err="1">
+                <a:solidFill>
+                  <a:schemeClr val="tx1"/>
+                </a:solidFill>
+                <a:latin typeface="Verdana" pitchFamily="34" charset="0"/>
+                <a:ea typeface="굴림" charset="-127"/>
+              </a:rPr>
+              <a:t>Елементи</a:t>
+            </a:r>
+            <a:r>
+              <a:rPr lang="ru-RU" altLang="ko-KR" sz="3600" dirty="0">
+                <a:solidFill>
+                  <a:schemeClr val="tx1"/>
+                </a:solidFill>
+                <a:latin typeface="Verdana" pitchFamily="34" charset="0"/>
+                <a:ea typeface="굴림" charset="-127"/>
+              </a:rPr>
+              <a:t> </a:t>
+            </a:r>
+            <a:r>
+              <a:rPr lang="ru-RU" altLang="ko-KR" sz="3600" dirty="0" err="1">
+                <a:solidFill>
+                  <a:schemeClr val="tx1"/>
+                </a:solidFill>
+                <a:latin typeface="Verdana" pitchFamily="34" charset="0"/>
+                <a:ea typeface="굴림" charset="-127"/>
+              </a:rPr>
+              <a:t>квантової</a:t>
+            </a:r>
+            <a:r>
+              <a:rPr lang="ru-RU" altLang="ko-KR" sz="3600" dirty="0">
+                <a:solidFill>
+                  <a:schemeClr val="tx1"/>
+                </a:solidFill>
+                <a:latin typeface="Verdana" pitchFamily="34" charset="0"/>
+                <a:ea typeface="굴림" charset="-127"/>
+              </a:rPr>
+              <a:t> </a:t>
+            </a:r>
+            <a:r>
+              <a:rPr lang="ru-RU" altLang="ko-KR" sz="3600" dirty="0" err="1">
+                <a:solidFill>
+                  <a:schemeClr val="tx1"/>
+                </a:solidFill>
+                <a:latin typeface="Verdana" pitchFamily="34" charset="0"/>
+                <a:ea typeface="굴림" charset="-127"/>
+              </a:rPr>
+              <a:t>механіки</a:t>
+            </a:r>
+            <a:r>
+              <a:rPr lang="ru-RU" altLang="ko-KR" sz="3600" dirty="0">
+                <a:solidFill>
+                  <a:schemeClr val="tx1"/>
+                </a:solidFill>
+                <a:latin typeface="Verdana" pitchFamily="34" charset="0"/>
+                <a:ea typeface="굴림" charset="-127"/>
+              </a:rPr>
+              <a:t>, </a:t>
+            </a:r>
+            <a:r>
+              <a:rPr lang="ru-RU" altLang="ko-KR" sz="3600" dirty="0" err="1">
+                <a:solidFill>
+                  <a:schemeClr val="tx1"/>
+                </a:solidFill>
+                <a:latin typeface="Verdana" pitchFamily="34" charset="0"/>
+                <a:ea typeface="굴림" charset="-127"/>
+              </a:rPr>
+              <a:t>атомної</a:t>
+            </a:r>
+            <a:r>
+              <a:rPr lang="ru-RU" altLang="ko-KR" sz="3600" dirty="0">
+                <a:solidFill>
+                  <a:schemeClr val="tx1"/>
+                </a:solidFill>
+                <a:latin typeface="Verdana" pitchFamily="34" charset="0"/>
+                <a:ea typeface="굴림" charset="-127"/>
+              </a:rPr>
+              <a:t> та </a:t>
+            </a:r>
+            <a:r>
+              <a:rPr lang="ru-RU" altLang="ko-KR" sz="3600" dirty="0" err="1">
+                <a:solidFill>
+                  <a:schemeClr val="tx1"/>
+                </a:solidFill>
+                <a:latin typeface="Verdana" pitchFamily="34" charset="0"/>
+                <a:ea typeface="굴림" charset="-127"/>
+              </a:rPr>
+              <a:t>ядерної</a:t>
+            </a:r>
+            <a:r>
+              <a:rPr lang="ru-RU" altLang="ko-KR" sz="3600" dirty="0">
+                <a:solidFill>
+                  <a:schemeClr val="tx1"/>
+                </a:solidFill>
+                <a:latin typeface="Verdana" pitchFamily="34" charset="0"/>
+                <a:ea typeface="굴림" charset="-127"/>
+              </a:rPr>
+              <a:t> </a:t>
+            </a:r>
+            <a:r>
+              <a:rPr lang="ru-RU" altLang="ko-KR" sz="3600" dirty="0" err="1">
+                <a:solidFill>
+                  <a:schemeClr val="tx1"/>
+                </a:solidFill>
+                <a:latin typeface="Verdana" pitchFamily="34" charset="0"/>
+                <a:ea typeface="굴림" charset="-127"/>
+              </a:rPr>
+              <a:t>фізики</a:t>
+            </a:r>
+            <a:r>
+              <a:rPr lang="ru-RU" altLang="ko-KR" sz="3600" dirty="0">
+                <a:solidFill>
+                  <a:schemeClr val="tx1"/>
+                </a:solidFill>
+                <a:latin typeface="Verdana" pitchFamily="34" charset="0"/>
+                <a:ea typeface="굴림" charset="-127"/>
+              </a:rPr>
+              <a:t> </a:t>
+            </a:r>
+            <a:endParaRPr lang="uk-UA" sz="3600" dirty="0">
+              <a:solidFill>
+                <a:schemeClr val="tx1"/>
+              </a:solidFill>
             </a:endParaRPr>
           </a:p>
         </p:txBody>
@@ -4189,7 +4421,524 @@
         </p:nvSpPr>
         <p:spPr>
           <a:xfrm>
-            <a:off x="107504" y="1124744"/>
+            <a:off x="5286380" y="1785926"/>
+            <a:ext cx="2859106" cy="649288"/>
+          </a:xfrm>
+        </p:spPr>
+        <p:txBody>
+          <a:bodyPr/>
+          <a:lstStyle/>
+          <a:p>
+            <a:r>
+              <a:rPr lang="uk-UA" sz="3200" dirty="0">
+                <a:latin typeface="Tahoma" charset="0"/>
+              </a:rPr>
+              <a:t>Види занять</a:t>
+            </a:r>
+          </a:p>
+        </p:txBody>
+      </p:sp>
+      <p:sp>
+        <p:nvSpPr>
+          <p:cNvPr id="36867" name="Rectangle 3"/>
+          <p:cNvSpPr>
+            <a:spLocks noGrp="1" noChangeArrowheads="1"/>
+          </p:cNvSpPr>
+          <p:nvPr>
+            <p:ph type="body" idx="1"/>
+          </p:nvPr>
+        </p:nvSpPr>
+        <p:spPr>
+          <a:xfrm>
+            <a:off x="1476375" y="2492375"/>
+            <a:ext cx="7343775" cy="4032250"/>
+          </a:xfrm>
+        </p:spPr>
+        <p:txBody>
+          <a:bodyPr/>
+          <a:lstStyle/>
+          <a:p>
+            <a:pPr>
+              <a:lnSpc>
+                <a:spcPct val="80000"/>
+              </a:lnSpc>
+            </a:pPr>
+            <a:r>
+              <a:rPr lang="uk-UA" altLang="ko-KR" sz="3600" dirty="0">
+                <a:solidFill>
+                  <a:schemeClr val="tx1"/>
+                </a:solidFill>
+                <a:latin typeface="Verdana" pitchFamily="34" charset="0"/>
+                <a:ea typeface="굴림" charset="-127"/>
+              </a:rPr>
+              <a:t>Лекції </a:t>
+            </a:r>
+          </a:p>
+          <a:p>
+            <a:pPr indent="379413">
+              <a:lnSpc>
+                <a:spcPct val="80000"/>
+              </a:lnSpc>
+              <a:spcAft>
+                <a:spcPts val="1200"/>
+              </a:spcAft>
+              <a:buNone/>
+            </a:pPr>
+            <a:r>
+              <a:rPr lang="uk-UA" altLang="ko-KR" sz="2400" i="1" dirty="0">
+                <a:solidFill>
+                  <a:schemeClr val="tx1"/>
+                </a:solidFill>
+                <a:latin typeface="Verdana" pitchFamily="34" charset="0"/>
+                <a:ea typeface="굴림" charset="-127"/>
+              </a:rPr>
+              <a:t>теоретичні відомості</a:t>
+            </a:r>
+            <a:endParaRPr lang="en-US" altLang="ko-KR" sz="2400" i="1" dirty="0">
+              <a:solidFill>
+                <a:schemeClr val="tx1"/>
+              </a:solidFill>
+              <a:latin typeface="Verdana" pitchFamily="34" charset="0"/>
+              <a:ea typeface="굴림" charset="-127"/>
+            </a:endParaRPr>
+          </a:p>
+          <a:p>
+            <a:pPr>
+              <a:lnSpc>
+                <a:spcPct val="80000"/>
+              </a:lnSpc>
+            </a:pPr>
+            <a:r>
+              <a:rPr lang="ru-RU" altLang="ko-KR" sz="3600" dirty="0" err="1">
+                <a:solidFill>
+                  <a:schemeClr val="tx1"/>
+                </a:solidFill>
+                <a:latin typeface="Verdana" pitchFamily="34" charset="0"/>
+                <a:ea typeface="굴림" charset="-127"/>
+              </a:rPr>
+              <a:t>Практичні</a:t>
+            </a:r>
+            <a:r>
+              <a:rPr lang="ru-RU" altLang="ko-KR" sz="3600" dirty="0">
+                <a:solidFill>
+                  <a:schemeClr val="tx1"/>
+                </a:solidFill>
+                <a:latin typeface="Verdana" pitchFamily="34" charset="0"/>
+                <a:ea typeface="굴림" charset="-127"/>
+              </a:rPr>
+              <a:t> </a:t>
+            </a:r>
+          </a:p>
+          <a:p>
+            <a:pPr indent="379413">
+              <a:lnSpc>
+                <a:spcPct val="80000"/>
+              </a:lnSpc>
+              <a:spcAft>
+                <a:spcPts val="1200"/>
+              </a:spcAft>
+              <a:buNone/>
+            </a:pPr>
+            <a:r>
+              <a:rPr lang="ru-RU" altLang="ko-KR" sz="2400" i="1" dirty="0" err="1">
+                <a:solidFill>
+                  <a:schemeClr val="tx1"/>
+                </a:solidFill>
+                <a:latin typeface="Verdana" pitchFamily="34" charset="0"/>
+                <a:ea typeface="굴림" charset="-127"/>
+              </a:rPr>
+              <a:t>розв</a:t>
+            </a:r>
+            <a:r>
+              <a:rPr lang="en-US" altLang="ko-KR" sz="2400" i="1" dirty="0">
+                <a:solidFill>
+                  <a:schemeClr val="tx1"/>
+                </a:solidFill>
+                <a:latin typeface="Verdana" pitchFamily="34" charset="0"/>
+                <a:ea typeface="굴림" charset="-127"/>
+              </a:rPr>
+              <a:t>’</a:t>
+            </a:r>
+            <a:r>
+              <a:rPr lang="uk-UA" altLang="ko-KR" sz="2400" i="1" dirty="0" err="1">
+                <a:solidFill>
+                  <a:schemeClr val="tx1"/>
+                </a:solidFill>
+                <a:latin typeface="Verdana" pitchFamily="34" charset="0"/>
+                <a:ea typeface="굴림" charset="-127"/>
+              </a:rPr>
+              <a:t>язок</a:t>
+            </a:r>
+            <a:r>
+              <a:rPr lang="uk-UA" altLang="ko-KR" sz="2400" i="1" dirty="0">
+                <a:solidFill>
+                  <a:schemeClr val="tx1"/>
+                </a:solidFill>
+                <a:latin typeface="Verdana" pitchFamily="34" charset="0"/>
+                <a:ea typeface="굴림" charset="-127"/>
+              </a:rPr>
+              <a:t> задач, контрольні</a:t>
+            </a:r>
+            <a:endParaRPr lang="en-US" altLang="ko-KR" sz="2400" i="1" dirty="0">
+              <a:solidFill>
+                <a:schemeClr val="tx1"/>
+              </a:solidFill>
+              <a:latin typeface="Verdana" pitchFamily="34" charset="0"/>
+              <a:ea typeface="굴림" charset="-127"/>
+            </a:endParaRPr>
+          </a:p>
+          <a:p>
+            <a:pPr>
+              <a:lnSpc>
+                <a:spcPct val="80000"/>
+              </a:lnSpc>
+            </a:pPr>
+            <a:r>
+              <a:rPr lang="ru-RU" altLang="ko-KR" sz="3600" dirty="0" err="1">
+                <a:solidFill>
+                  <a:schemeClr val="tx1"/>
+                </a:solidFill>
+                <a:latin typeface="Verdana" pitchFamily="34" charset="0"/>
+                <a:ea typeface="굴림" charset="-127"/>
+              </a:rPr>
+              <a:t>Лабораторні</a:t>
+            </a:r>
+            <a:r>
+              <a:rPr lang="ru-RU" altLang="ko-KR" sz="3600" dirty="0">
+                <a:solidFill>
+                  <a:schemeClr val="tx1"/>
+                </a:solidFill>
+                <a:latin typeface="Verdana" pitchFamily="34" charset="0"/>
+                <a:ea typeface="굴림" charset="-127"/>
+              </a:rPr>
+              <a:t> </a:t>
+            </a:r>
+            <a:r>
+              <a:rPr lang="ru-RU" altLang="ko-KR" sz="3600" dirty="0" err="1">
+                <a:solidFill>
+                  <a:schemeClr val="tx1"/>
+                </a:solidFill>
+                <a:latin typeface="Verdana" pitchFamily="34" charset="0"/>
+                <a:ea typeface="굴림" charset="-127"/>
+              </a:rPr>
+              <a:t>роботи</a:t>
+            </a:r>
+            <a:r>
+              <a:rPr lang="ru-RU" altLang="ko-KR" sz="3600" dirty="0">
+                <a:solidFill>
+                  <a:schemeClr val="tx1"/>
+                </a:solidFill>
+                <a:latin typeface="Verdana" pitchFamily="34" charset="0"/>
+                <a:ea typeface="굴림" charset="-127"/>
+              </a:rPr>
+              <a:t> </a:t>
+            </a:r>
+          </a:p>
+          <a:p>
+            <a:pPr marL="722313" indent="0">
+              <a:lnSpc>
+                <a:spcPct val="80000"/>
+              </a:lnSpc>
+              <a:buNone/>
+            </a:pPr>
+            <a:r>
+              <a:rPr lang="ru-RU" altLang="ko-KR" sz="2400" i="1" dirty="0" err="1">
+                <a:solidFill>
+                  <a:schemeClr val="tx1"/>
+                </a:solidFill>
+                <a:latin typeface="Verdana" pitchFamily="34" charset="0"/>
+                <a:ea typeface="굴림" charset="-127"/>
+              </a:rPr>
+              <a:t>більш</a:t>
+            </a:r>
+            <a:r>
+              <a:rPr lang="ru-RU" altLang="ko-KR" sz="2400" i="1" dirty="0">
+                <a:solidFill>
+                  <a:schemeClr val="tx1"/>
+                </a:solidFill>
+                <a:latin typeface="Verdana" pitchFamily="34" charset="0"/>
+                <a:ea typeface="굴림" charset="-127"/>
+              </a:rPr>
+              <a:t> </a:t>
+            </a:r>
+            <a:r>
+              <a:rPr lang="ru-RU" altLang="ko-KR" sz="2400" i="1" dirty="0" err="1">
+                <a:solidFill>
+                  <a:schemeClr val="tx1"/>
+                </a:solidFill>
+                <a:latin typeface="Verdana" pitchFamily="34" charset="0"/>
+                <a:ea typeface="굴림" charset="-127"/>
+              </a:rPr>
+              <a:t>близьке</a:t>
+            </a:r>
+            <a:r>
+              <a:rPr lang="ru-RU" altLang="ko-KR" sz="2400" i="1" dirty="0">
+                <a:solidFill>
+                  <a:schemeClr val="tx1"/>
+                </a:solidFill>
+                <a:latin typeface="Verdana" pitchFamily="34" charset="0"/>
+                <a:ea typeface="굴림" charset="-127"/>
+              </a:rPr>
+              <a:t> </a:t>
+            </a:r>
+            <a:r>
+              <a:rPr lang="ru-RU" altLang="ko-KR" sz="2400" i="1" dirty="0" err="1">
+                <a:solidFill>
+                  <a:schemeClr val="tx1"/>
+                </a:solidFill>
+                <a:latin typeface="Verdana" pitchFamily="34" charset="0"/>
+                <a:ea typeface="굴림" charset="-127"/>
+              </a:rPr>
+              <a:t>знайомство</a:t>
+            </a:r>
+            <a:r>
+              <a:rPr lang="ru-RU" altLang="ko-KR" sz="2400" i="1" dirty="0">
+                <a:solidFill>
+                  <a:schemeClr val="tx1"/>
+                </a:solidFill>
+                <a:latin typeface="Verdana" pitchFamily="34" charset="0"/>
+                <a:ea typeface="굴림" charset="-127"/>
+              </a:rPr>
+              <a:t> </a:t>
+            </a:r>
+            <a:r>
+              <a:rPr lang="ru-RU" altLang="ko-KR" sz="2400" i="1" dirty="0" err="1">
+                <a:solidFill>
+                  <a:schemeClr val="tx1"/>
+                </a:solidFill>
+                <a:latin typeface="Verdana" pitchFamily="34" charset="0"/>
+                <a:ea typeface="굴림" charset="-127"/>
+              </a:rPr>
+              <a:t>з</a:t>
+            </a:r>
+            <a:r>
+              <a:rPr lang="ru-RU" altLang="ko-KR" sz="2400" i="1" dirty="0">
+                <a:solidFill>
+                  <a:schemeClr val="tx1"/>
+                </a:solidFill>
+                <a:latin typeface="Verdana" pitchFamily="34" charset="0"/>
+                <a:ea typeface="굴림" charset="-127"/>
+              </a:rPr>
+              <a:t> </a:t>
+            </a:r>
+            <a:r>
+              <a:rPr lang="ru-RU" altLang="ko-KR" sz="2400" i="1" dirty="0" err="1">
+                <a:solidFill>
+                  <a:schemeClr val="tx1"/>
+                </a:solidFill>
+                <a:latin typeface="Verdana" pitchFamily="34" charset="0"/>
+                <a:ea typeface="굴림" charset="-127"/>
+              </a:rPr>
+              <a:t>фізичними</a:t>
+            </a:r>
+            <a:r>
+              <a:rPr lang="ru-RU" altLang="ko-KR" sz="2400" i="1" dirty="0">
+                <a:solidFill>
+                  <a:schemeClr val="tx1"/>
+                </a:solidFill>
+                <a:latin typeface="Verdana" pitchFamily="34" charset="0"/>
+                <a:ea typeface="굴림" charset="-127"/>
+              </a:rPr>
+              <a:t> </a:t>
+            </a:r>
+            <a:r>
+              <a:rPr lang="ru-RU" altLang="ko-KR" sz="2400" i="1" dirty="0" err="1">
+                <a:solidFill>
+                  <a:schemeClr val="tx1"/>
+                </a:solidFill>
+                <a:latin typeface="Verdana" pitchFamily="34" charset="0"/>
+                <a:ea typeface="굴림" charset="-127"/>
+              </a:rPr>
+              <a:t>явищами</a:t>
+            </a:r>
+            <a:r>
+              <a:rPr lang="ru-RU" altLang="ko-KR" sz="2400" i="1" dirty="0">
+                <a:solidFill>
+                  <a:schemeClr val="tx1"/>
+                </a:solidFill>
+                <a:latin typeface="Verdana" pitchFamily="34" charset="0"/>
+                <a:ea typeface="굴림" charset="-127"/>
+              </a:rPr>
+              <a:t> та </a:t>
+            </a:r>
+            <a:r>
+              <a:rPr lang="ru-RU" altLang="ko-KR" sz="2400" i="1" dirty="0" err="1">
+                <a:solidFill>
+                  <a:schemeClr val="tx1"/>
+                </a:solidFill>
+                <a:latin typeface="Verdana" pitchFamily="34" charset="0"/>
+                <a:ea typeface="굴림" charset="-127"/>
+              </a:rPr>
+              <a:t>приладами</a:t>
+            </a:r>
+            <a:r>
+              <a:rPr lang="ru-RU" altLang="ko-KR" sz="2400" i="1" dirty="0">
+                <a:solidFill>
+                  <a:schemeClr val="tx1"/>
+                </a:solidFill>
+                <a:latin typeface="Verdana" pitchFamily="34" charset="0"/>
+                <a:ea typeface="굴림" charset="-127"/>
+              </a:rPr>
+              <a:t>, </a:t>
+            </a:r>
+            <a:r>
+              <a:rPr lang="ru-RU" altLang="ko-KR" sz="2400" i="1" dirty="0" err="1">
+                <a:solidFill>
+                  <a:schemeClr val="tx1"/>
+                </a:solidFill>
+                <a:latin typeface="Verdana" pitchFamily="34" charset="0"/>
+                <a:ea typeface="굴림" charset="-127"/>
+              </a:rPr>
+              <a:t>розрахунки</a:t>
+            </a:r>
+            <a:r>
+              <a:rPr lang="ru-RU" altLang="ko-KR" sz="2400" i="1" dirty="0">
+                <a:solidFill>
+                  <a:schemeClr val="tx1"/>
+                </a:solidFill>
+                <a:latin typeface="Verdana" pitchFamily="34" charset="0"/>
+                <a:ea typeface="굴림" charset="-127"/>
+              </a:rPr>
+              <a:t> на </a:t>
+            </a:r>
+            <a:r>
+              <a:rPr lang="ru-RU" altLang="ko-KR" sz="2400" i="1" dirty="0" err="1">
+                <a:solidFill>
+                  <a:schemeClr val="tx1"/>
+                </a:solidFill>
+                <a:latin typeface="Verdana" pitchFamily="34" charset="0"/>
+                <a:ea typeface="굴림" charset="-127"/>
+              </a:rPr>
+              <a:t>основі</a:t>
+            </a:r>
+            <a:r>
+              <a:rPr lang="ru-RU" altLang="ko-KR" sz="2400" i="1" dirty="0">
+                <a:solidFill>
+                  <a:schemeClr val="tx1"/>
+                </a:solidFill>
+                <a:latin typeface="Verdana" pitchFamily="34" charset="0"/>
+                <a:ea typeface="굴림" charset="-127"/>
+              </a:rPr>
+              <a:t> </a:t>
+            </a:r>
+            <a:r>
+              <a:rPr lang="ru-RU" altLang="ko-KR" sz="2400" i="1" dirty="0" err="1">
+                <a:solidFill>
+                  <a:schemeClr val="tx1"/>
+                </a:solidFill>
+                <a:latin typeface="Verdana" pitchFamily="34" charset="0"/>
+                <a:ea typeface="굴림" charset="-127"/>
+              </a:rPr>
+              <a:t>результатів</a:t>
+            </a:r>
+            <a:r>
+              <a:rPr lang="ru-RU" altLang="ko-KR" sz="2400" i="1" dirty="0">
+                <a:solidFill>
+                  <a:schemeClr val="tx1"/>
+                </a:solidFill>
+                <a:latin typeface="Verdana" pitchFamily="34" charset="0"/>
+                <a:ea typeface="굴림" charset="-127"/>
+              </a:rPr>
+              <a:t> </a:t>
+            </a:r>
+            <a:r>
+              <a:rPr lang="ru-RU" altLang="ko-KR" sz="2400" i="1" dirty="0" err="1">
+                <a:solidFill>
+                  <a:schemeClr val="tx1"/>
+                </a:solidFill>
+                <a:latin typeface="Verdana" pitchFamily="34" charset="0"/>
+                <a:ea typeface="굴림" charset="-127"/>
+              </a:rPr>
+              <a:t>вимірювань</a:t>
+            </a:r>
+            <a:r>
+              <a:rPr lang="ru-RU" altLang="ko-KR" sz="2400" i="1" dirty="0">
+                <a:solidFill>
+                  <a:schemeClr val="tx1"/>
+                </a:solidFill>
+                <a:latin typeface="Verdana" pitchFamily="34" charset="0"/>
+                <a:ea typeface="굴림" charset="-127"/>
+              </a:rPr>
+              <a:t>, </a:t>
+            </a:r>
+            <a:r>
+              <a:rPr lang="ru-RU" altLang="ko-KR" sz="2400" i="1" dirty="0" err="1">
+                <a:solidFill>
+                  <a:schemeClr val="tx1"/>
+                </a:solidFill>
+                <a:latin typeface="Verdana" pitchFamily="34" charset="0"/>
+                <a:ea typeface="굴림" charset="-127"/>
+              </a:rPr>
+              <a:t>здача</a:t>
+            </a:r>
+            <a:r>
+              <a:rPr lang="ru-RU" altLang="ko-KR" sz="2400" i="1" dirty="0">
+                <a:solidFill>
+                  <a:schemeClr val="tx1"/>
+                </a:solidFill>
+                <a:latin typeface="Verdana" pitchFamily="34" charset="0"/>
+                <a:ea typeface="굴림" charset="-127"/>
+              </a:rPr>
+              <a:t> </a:t>
+            </a:r>
+            <a:r>
+              <a:rPr lang="ru-RU" altLang="ko-KR" sz="2400" i="1" dirty="0" err="1">
+                <a:solidFill>
+                  <a:schemeClr val="tx1"/>
+                </a:solidFill>
+                <a:latin typeface="Verdana" pitchFamily="34" charset="0"/>
+                <a:ea typeface="굴림" charset="-127"/>
+              </a:rPr>
+              <a:t>робіт</a:t>
+            </a:r>
+            <a:endParaRPr lang="uk-UA" altLang="ko-KR" sz="2400" i="1" dirty="0">
+              <a:solidFill>
+                <a:schemeClr val="tx1"/>
+              </a:solidFill>
+              <a:latin typeface="Verdana" pitchFamily="34" charset="0"/>
+              <a:ea typeface="굴림" charset="-127"/>
+            </a:endParaRPr>
+          </a:p>
+        </p:txBody>
+      </p:sp>
+    </p:spTree>
+  </p:cSld>
+  <p:clrMapOvr>
+    <a:masterClrMapping/>
+  </p:clrMapOvr>
+</p:sld>
+</file>
+
+<file path=ppt/slides/slide6.xml><?xml version="1.0" encoding="utf-8"?>
+<p:sld xmlns:a="http://schemas.openxmlformats.org/drawingml/2006/main" xmlns:r="http://schemas.openxmlformats.org/officeDocument/2006/relationships" xmlns:p="http://schemas.openxmlformats.org/presentationml/2006/main">
+  <p:cSld>
+    <p:spTree>
+      <p:nvGrpSpPr>
+        <p:cNvPr id="1" name=""/>
+        <p:cNvGrpSpPr/>
+        <p:nvPr/>
+      </p:nvGrpSpPr>
+      <p:grpSpPr>
+        <a:xfrm>
+          <a:off x="0" y="0"/>
+          <a:ext cx="0" cy="0"/>
+          <a:chOff x="0" y="0"/>
+          <a:chExt cx="0" cy="0"/>
+        </a:xfrm>
+      </p:grpSpPr>
+      <p:sp>
+        <p:nvSpPr>
+          <p:cNvPr id="36866" name="Rectangle 2"/>
+          <p:cNvSpPr>
+            <a:spLocks noGrp="1" noChangeArrowheads="1"/>
+          </p:cNvSpPr>
+          <p:nvPr>
+            <p:ph type="title"/>
+          </p:nvPr>
+        </p:nvSpPr>
+        <p:spPr>
+          <a:xfrm>
+            <a:off x="25557" y="1772816"/>
             <a:ext cx="2160240" cy="649288"/>
           </a:xfrm>
           <a:gradFill flip="none" rotWithShape="1">
@@ -4232,10 +4981,10 @@
       </p:sp>
       <p:pic>
         <p:nvPicPr>
-          <p:cNvPr id="2" name="Рисунок 1">
+          <p:cNvPr id="3" name="Рисунок 2">
             <a:extLst>
               <a:ext uri="{FF2B5EF4-FFF2-40B4-BE49-F238E27FC236}">
-                <a16:creationId xmlns:a16="http://schemas.microsoft.com/office/drawing/2014/main" id="{D98C21EF-18CA-466B-A621-6F32ECFC8A23}"/>
+                <a16:creationId xmlns:a16="http://schemas.microsoft.com/office/drawing/2014/main" id="{AE49A336-8D18-4C01-EF27-130D776C149B}"/>
               </a:ext>
             </a:extLst>
           </p:cNvPr>
@@ -4252,8 +5001,8 @@
         </p:blipFill>
         <p:spPr>
           <a:xfrm>
-            <a:off x="0" y="1947900"/>
-            <a:ext cx="9144000" cy="4911723"/>
+            <a:off x="0" y="2660900"/>
+            <a:ext cx="9144000" cy="4197100"/>
           </a:xfrm>
           <a:prstGeom prst="rect">
             <a:avLst/>
@@ -4273,7 +5022,120 @@
 </p:sld>
 </file>
 
-<file path=ppt/slides/slide6.xml><?xml version="1.0" encoding="utf-8"?>
+<file path=ppt/slides/slide7.xml><?xml version="1.0" encoding="utf-8"?>
+<p:sld xmlns:a="http://schemas.openxmlformats.org/drawingml/2006/main" xmlns:r="http://schemas.openxmlformats.org/officeDocument/2006/relationships" xmlns:p="http://schemas.openxmlformats.org/presentationml/2006/main">
+  <p:cSld>
+    <p:spTree>
+      <p:nvGrpSpPr>
+        <p:cNvPr id="1" name=""/>
+        <p:cNvGrpSpPr/>
+        <p:nvPr/>
+      </p:nvGrpSpPr>
+      <p:grpSpPr>
+        <a:xfrm>
+          <a:off x="0" y="0"/>
+          <a:ext cx="0" cy="0"/>
+          <a:chOff x="0" y="0"/>
+          <a:chExt cx="0" cy="0"/>
+        </a:xfrm>
+      </p:grpSpPr>
+      <p:sp>
+        <p:nvSpPr>
+          <p:cNvPr id="36866" name="Rectangle 2"/>
+          <p:cNvSpPr>
+            <a:spLocks noGrp="1" noChangeArrowheads="1"/>
+          </p:cNvSpPr>
+          <p:nvPr>
+            <p:ph type="title"/>
+          </p:nvPr>
+        </p:nvSpPr>
+        <p:spPr>
+          <a:xfrm>
+            <a:off x="0" y="2132856"/>
+            <a:ext cx="2160240" cy="649288"/>
+          </a:xfrm>
+          <a:gradFill flip="none" rotWithShape="1">
+            <a:gsLst>
+              <a:gs pos="0">
+                <a:schemeClr val="accent1">
+                  <a:tint val="66000"/>
+                  <a:satMod val="160000"/>
+                </a:schemeClr>
+              </a:gs>
+              <a:gs pos="50000">
+                <a:schemeClr val="accent1">
+                  <a:tint val="44500"/>
+                  <a:satMod val="160000"/>
+                </a:schemeClr>
+              </a:gs>
+              <a:gs pos="100000">
+                <a:schemeClr val="accent1">
+                  <a:tint val="23500"/>
+                  <a:satMod val="160000"/>
+                </a:schemeClr>
+              </a:gs>
+            </a:gsLst>
+            <a:lin ang="16200000" scaled="1"/>
+            <a:tileRect/>
+          </a:gradFill>
+        </p:spPr>
+        <p:txBody>
+          <a:bodyPr/>
+          <a:lstStyle/>
+          <a:p>
+            <a:r>
+              <a:rPr lang="uk-UA" sz="3200" dirty="0">
+                <a:latin typeface="Tahoma" charset="0"/>
+              </a:rPr>
+              <a:t>Графік</a:t>
+            </a:r>
+          </a:p>
+        </p:txBody>
+      </p:sp>
+      <p:pic>
+        <p:nvPicPr>
+          <p:cNvPr id="3" name="Рисунок 2">
+            <a:extLst>
+              <a:ext uri="{FF2B5EF4-FFF2-40B4-BE49-F238E27FC236}">
+                <a16:creationId xmlns:a16="http://schemas.microsoft.com/office/drawing/2014/main" id="{62C7F42C-5CAF-398B-320A-0FDD5F5DEC9A}"/>
+              </a:ext>
+            </a:extLst>
+          </p:cNvPr>
+          <p:cNvPicPr>
+            <a:picLocks noChangeAspect="1"/>
+          </p:cNvPicPr>
+          <p:nvPr/>
+        </p:nvPicPr>
+        <p:blipFill>
+          <a:blip r:embed="rId2"/>
+          <a:stretch>
+            <a:fillRect/>
+          </a:stretch>
+        </p:blipFill>
+        <p:spPr>
+          <a:xfrm>
+            <a:off x="-2232" y="3789040"/>
+            <a:ext cx="9144000" cy="2801155"/>
+          </a:xfrm>
+          <a:prstGeom prst="rect">
+            <a:avLst/>
+          </a:prstGeom>
+        </p:spPr>
+      </p:pic>
+    </p:spTree>
+    <p:extLst>
+      <p:ext uri="{BB962C8B-B14F-4D97-AF65-F5344CB8AC3E}">
+        <p14:creationId xmlns:p14="http://schemas.microsoft.com/office/powerpoint/2010/main" val="222139650"/>
+      </p:ext>
+    </p:extLst>
+  </p:cSld>
+  <p:clrMapOvr>
+    <a:masterClrMapping/>
+  </p:clrMapOvr>
+</p:sld>
+</file>
+
+<file path=ppt/slides/slide8.xml><?xml version="1.0" encoding="utf-8"?>
 <p:sld xmlns:a="http://schemas.openxmlformats.org/drawingml/2006/main" xmlns:r="http://schemas.openxmlformats.org/officeDocument/2006/relationships" xmlns:p="http://schemas.openxmlformats.org/presentationml/2006/main">
   <p:cSld>
     <p:spTree>
@@ -4456,7 +5318,7 @@
 </p:sld>
 </file>
 
-<file path=ppt/slides/slide7.xml><?xml version="1.0" encoding="utf-8"?>
+<file path=ppt/slides/slide9.xml><?xml version="1.0" encoding="utf-8"?>
 <p:sld xmlns:a="http://schemas.openxmlformats.org/drawingml/2006/main" xmlns:r="http://schemas.openxmlformats.org/officeDocument/2006/relationships" xmlns:p="http://schemas.openxmlformats.org/presentationml/2006/main">
   <p:cSld>
     <p:spTree>
@@ -4502,160 +5364,6 @@
           </a:p>
         </p:txBody>
       </p:sp>
-      <p:sp>
-        <p:nvSpPr>
-          <p:cNvPr id="5" name="Прямоугольник 4"/>
-          <p:cNvSpPr/>
-          <p:nvPr/>
-        </p:nvSpPr>
-        <p:spPr>
-          <a:xfrm>
-            <a:off x="323528" y="4509120"/>
-            <a:ext cx="8072462" cy="2031325"/>
-          </a:xfrm>
-          <a:prstGeom prst="rect">
-            <a:avLst/>
-          </a:prstGeom>
-        </p:spPr>
-        <p:txBody>
-          <a:bodyPr wrap="square">
-            <a:spAutoFit/>
-          </a:bodyPr>
-          <a:lstStyle/>
-          <a:p>
-            <a:r>
-              <a:rPr lang="uk-UA" b="1" dirty="0" err="1"/>
-              <a:t>Иродов</a:t>
-            </a:r>
-            <a:r>
-              <a:rPr lang="uk-UA" b="1" dirty="0"/>
-              <a:t> И. Е</a:t>
-            </a:r>
-            <a:r>
-              <a:rPr lang="uk-UA" dirty="0"/>
-              <a:t>.  </a:t>
-            </a:r>
-          </a:p>
-          <a:p>
-            <a:r>
-              <a:rPr lang="uk-UA" dirty="0" err="1"/>
-              <a:t>Электромагнетизм</a:t>
-            </a:r>
-            <a:r>
-              <a:rPr lang="uk-UA" dirty="0"/>
-              <a:t>. </a:t>
-            </a:r>
-            <a:r>
-              <a:rPr lang="uk-UA" dirty="0" err="1"/>
-              <a:t>Основные</a:t>
-            </a:r>
-            <a:r>
-              <a:rPr lang="uk-UA" dirty="0"/>
-              <a:t> </a:t>
-            </a:r>
-            <a:r>
-              <a:rPr lang="uk-UA" dirty="0" err="1"/>
-              <a:t>законы</a:t>
-            </a:r>
-            <a:r>
-              <a:rPr lang="uk-UA" dirty="0"/>
-              <a:t>. М.: БИНОМ. </a:t>
-            </a:r>
-            <a:r>
-              <a:rPr lang="uk-UA" dirty="0" err="1"/>
-              <a:t>Лаборатория</a:t>
-            </a:r>
-            <a:r>
-              <a:rPr lang="uk-UA" dirty="0"/>
-              <a:t> знаний, 2010, 319 с.; </a:t>
-            </a:r>
-          </a:p>
-          <a:p>
-            <a:r>
-              <a:rPr lang="uk-UA" dirty="0" err="1"/>
-              <a:t>Волновые</a:t>
-            </a:r>
-            <a:r>
-              <a:rPr lang="uk-UA" dirty="0"/>
-              <a:t> </a:t>
-            </a:r>
-            <a:r>
-              <a:rPr lang="uk-UA" dirty="0" err="1"/>
-              <a:t>процессы</a:t>
-            </a:r>
-            <a:r>
-              <a:rPr lang="uk-UA" dirty="0"/>
-              <a:t>. </a:t>
-            </a:r>
-            <a:r>
-              <a:rPr lang="uk-UA" dirty="0" err="1"/>
-              <a:t>Основные</a:t>
-            </a:r>
-            <a:r>
-              <a:rPr lang="uk-UA" dirty="0"/>
-              <a:t> </a:t>
-            </a:r>
-            <a:r>
-              <a:rPr lang="uk-UA" dirty="0" err="1"/>
-              <a:t>законы</a:t>
-            </a:r>
-            <a:r>
-              <a:rPr lang="uk-UA" dirty="0"/>
-              <a:t>. БИНОМ. </a:t>
-            </a:r>
-            <a:r>
-              <a:rPr lang="uk-UA" dirty="0" err="1"/>
-              <a:t>Лаборатория</a:t>
-            </a:r>
-            <a:r>
-              <a:rPr lang="uk-UA" dirty="0"/>
-              <a:t> знаний, 2010, 264 с.; </a:t>
-            </a:r>
-          </a:p>
-          <a:p>
-            <a:r>
-              <a:rPr lang="uk-UA" dirty="0" err="1"/>
-              <a:t>Квантовая</a:t>
-            </a:r>
-            <a:r>
-              <a:rPr lang="uk-UA" dirty="0"/>
-              <a:t> </a:t>
-            </a:r>
-            <a:r>
-              <a:rPr lang="uk-UA" dirty="0" err="1"/>
-              <a:t>физика</a:t>
-            </a:r>
-            <a:r>
-              <a:rPr lang="uk-UA" dirty="0"/>
-              <a:t>. </a:t>
-            </a:r>
-            <a:r>
-              <a:rPr lang="uk-UA" dirty="0" err="1"/>
-              <a:t>Основные</a:t>
-            </a:r>
-            <a:r>
-              <a:rPr lang="uk-UA" dirty="0"/>
-              <a:t> </a:t>
-            </a:r>
-            <a:r>
-              <a:rPr lang="uk-UA" dirty="0" err="1"/>
-              <a:t>законы</a:t>
-            </a:r>
-            <a:r>
-              <a:rPr lang="uk-UA" dirty="0"/>
-              <a:t>. М.: БИНОМ. </a:t>
-            </a:r>
-            <a:r>
-              <a:rPr lang="uk-UA" dirty="0" err="1"/>
-              <a:t>Лаборатория</a:t>
-            </a:r>
-            <a:r>
-              <a:rPr lang="uk-UA" dirty="0"/>
-              <a:t> знаний, 2010, 256 с.</a:t>
-            </a:r>
-          </a:p>
-        </p:txBody>
-      </p:sp>
       <p:pic>
         <p:nvPicPr>
           <p:cNvPr id="3" name="Рисунок 2">
@@ -4684,7 +5392,7 @@
         </p:blipFill>
         <p:spPr>
           <a:xfrm>
-            <a:off x="179512" y="42581"/>
+            <a:off x="251520" y="2464587"/>
             <a:ext cx="3024336" cy="4277493"/>
           </a:xfrm>
           <a:prstGeom prst="rect">
@@ -4693,351 +5401,6 @@
         </p:spPr>
       </p:pic>
     </p:spTree>
-  </p:cSld>
-  <p:clrMapOvr>
-    <a:masterClrMapping/>
-  </p:clrMapOvr>
-</p:sld>
-</file>
-
-<file path=ppt/slides/slide8.xml><?xml version="1.0" encoding="utf-8"?>
-<p:sld xmlns:a="http://schemas.openxmlformats.org/drawingml/2006/main" xmlns:r="http://schemas.openxmlformats.org/officeDocument/2006/relationships" xmlns:p="http://schemas.openxmlformats.org/presentationml/2006/main">
-  <p:cSld>
-    <p:spTree>
-      <p:nvGrpSpPr>
-        <p:cNvPr id="1" name=""/>
-        <p:cNvGrpSpPr/>
-        <p:nvPr/>
-      </p:nvGrpSpPr>
-      <p:grpSpPr>
-        <a:xfrm>
-          <a:off x="0" y="0"/>
-          <a:ext cx="0" cy="0"/>
-          <a:chOff x="0" y="0"/>
-          <a:chExt cx="0" cy="0"/>
-        </a:xfrm>
-      </p:grpSpPr>
-      <p:sp>
-        <p:nvSpPr>
-          <p:cNvPr id="36866" name="Rectangle 2"/>
-          <p:cNvSpPr>
-            <a:spLocks noGrp="1" noChangeArrowheads="1"/>
-          </p:cNvSpPr>
-          <p:nvPr>
-            <p:ph type="title"/>
-          </p:nvPr>
-        </p:nvSpPr>
-        <p:spPr>
-          <a:xfrm>
-            <a:off x="4786314" y="3500438"/>
-            <a:ext cx="2714644" cy="649288"/>
-          </a:xfrm>
-        </p:spPr>
-        <p:txBody>
-          <a:bodyPr/>
-          <a:lstStyle/>
-          <a:p>
-            <a:pPr>
-              <a:lnSpc>
-                <a:spcPct val="80000"/>
-              </a:lnSpc>
-            </a:pPr>
-            <a:r>
-              <a:rPr lang="ru-RU" altLang="ko-KR" sz="3200" dirty="0" err="1">
-                <a:latin typeface="Tahoma" charset="0"/>
-              </a:rPr>
-              <a:t>Бібліотека</a:t>
-            </a:r>
-            <a:endParaRPr lang="ru-RU" altLang="ko-KR" sz="3200" dirty="0">
-              <a:latin typeface="Tahoma" charset="0"/>
-            </a:endParaRPr>
-          </a:p>
-        </p:txBody>
-      </p:sp>
-      <p:sp>
-        <p:nvSpPr>
-          <p:cNvPr id="6" name="Прямоугольник 5"/>
-          <p:cNvSpPr/>
-          <p:nvPr/>
-        </p:nvSpPr>
-        <p:spPr>
-          <a:xfrm>
-            <a:off x="3857620" y="4429132"/>
-            <a:ext cx="4857752" cy="1384995"/>
-          </a:xfrm>
-          <a:prstGeom prst="rect">
-            <a:avLst/>
-          </a:prstGeom>
-        </p:spPr>
-        <p:txBody>
-          <a:bodyPr wrap="square">
-            <a:spAutoFit/>
-          </a:bodyPr>
-          <a:lstStyle/>
-          <a:p>
-            <a:r>
-              <a:rPr lang="en-US" sz="2800" dirty="0"/>
-              <a:t>http://gen.phys.univ.kiev.ua/biblioteka/pidruchniki-ta-posibniki/</a:t>
-            </a:r>
-            <a:endParaRPr lang="ru-RU" sz="2800" dirty="0"/>
-          </a:p>
-        </p:txBody>
-      </p:sp>
-      <p:sp>
-        <p:nvSpPr>
-          <p:cNvPr id="7" name="Прямоугольник 6"/>
-          <p:cNvSpPr/>
-          <p:nvPr/>
-        </p:nvSpPr>
-        <p:spPr>
-          <a:xfrm>
-            <a:off x="4429124" y="2571744"/>
-            <a:ext cx="3333798" cy="461665"/>
-          </a:xfrm>
-          <a:prstGeom prst="rect">
-            <a:avLst/>
-          </a:prstGeom>
-        </p:spPr>
-        <p:txBody>
-          <a:bodyPr wrap="none">
-            <a:spAutoFit/>
-          </a:bodyPr>
-          <a:lstStyle/>
-          <a:p>
-            <a:r>
-              <a:rPr lang="en-US" sz="2400" b="1" dirty="0"/>
-              <a:t>gen.phys.univ.kiev.ua</a:t>
-            </a:r>
-            <a:endParaRPr lang="ru-RU" sz="2400" b="1" dirty="0"/>
-          </a:p>
-        </p:txBody>
-      </p:sp>
-      <p:pic>
-        <p:nvPicPr>
-          <p:cNvPr id="8" name="Рисунок 7" descr="logo.gif"/>
-          <p:cNvPicPr>
-            <a:picLocks noChangeAspect="1"/>
-          </p:cNvPicPr>
-          <p:nvPr/>
-        </p:nvPicPr>
-        <p:blipFill>
-          <a:blip r:embed="rId2"/>
-          <a:stretch>
-            <a:fillRect/>
-          </a:stretch>
-        </p:blipFill>
-        <p:spPr>
-          <a:xfrm>
-            <a:off x="285720" y="2285992"/>
-            <a:ext cx="3657600" cy="952500"/>
-          </a:xfrm>
-          <a:prstGeom prst="rect">
-            <a:avLst/>
-          </a:prstGeom>
-        </p:spPr>
-      </p:pic>
-      <p:pic>
-        <p:nvPicPr>
-          <p:cNvPr id="9" name="Рисунок 8" descr="qr-codeBiblio.png"/>
-          <p:cNvPicPr>
-            <a:picLocks noChangeAspect="1"/>
-          </p:cNvPicPr>
-          <p:nvPr/>
-        </p:nvPicPr>
-        <p:blipFill>
-          <a:blip r:embed="rId3"/>
-          <a:stretch>
-            <a:fillRect/>
-          </a:stretch>
-        </p:blipFill>
-        <p:spPr>
-          <a:xfrm>
-            <a:off x="428596" y="3357562"/>
-            <a:ext cx="3071810" cy="3071810"/>
-          </a:xfrm>
-          <a:prstGeom prst="rect">
-            <a:avLst/>
-          </a:prstGeom>
-        </p:spPr>
-      </p:pic>
-    </p:spTree>
-  </p:cSld>
-  <p:clrMapOvr>
-    <a:masterClrMapping/>
-  </p:clrMapOvr>
-</p:sld>
-</file>
-
-<file path=ppt/slides/slide9.xml><?xml version="1.0" encoding="utf-8"?>
-<p:sld xmlns:a="http://schemas.openxmlformats.org/drawingml/2006/main" xmlns:r="http://schemas.openxmlformats.org/officeDocument/2006/relationships" xmlns:p="http://schemas.openxmlformats.org/presentationml/2006/main">
-  <p:cSld>
-    <p:spTree>
-      <p:nvGrpSpPr>
-        <p:cNvPr id="1" name=""/>
-        <p:cNvGrpSpPr/>
-        <p:nvPr/>
-      </p:nvGrpSpPr>
-      <p:grpSpPr>
-        <a:xfrm>
-          <a:off x="0" y="0"/>
-          <a:ext cx="0" cy="0"/>
-          <a:chOff x="0" y="0"/>
-          <a:chExt cx="0" cy="0"/>
-        </a:xfrm>
-      </p:grpSpPr>
-      <p:sp>
-        <p:nvSpPr>
-          <p:cNvPr id="36866" name="Rectangle 2"/>
-          <p:cNvSpPr>
-            <a:spLocks noGrp="1" noChangeArrowheads="1"/>
-          </p:cNvSpPr>
-          <p:nvPr>
-            <p:ph type="title"/>
-          </p:nvPr>
-        </p:nvSpPr>
-        <p:spPr>
-          <a:xfrm>
-            <a:off x="3202740" y="2859880"/>
-            <a:ext cx="5655540" cy="649288"/>
-          </a:xfrm>
-        </p:spPr>
-        <p:txBody>
-          <a:bodyPr/>
-          <a:lstStyle/>
-          <a:p>
-            <a:pPr>
-              <a:lnSpc>
-                <a:spcPct val="80000"/>
-              </a:lnSpc>
-            </a:pPr>
-            <a:r>
-              <a:rPr lang="ru-RU" altLang="ko-KR" sz="3200" dirty="0">
-                <a:latin typeface="Tahoma" charset="0"/>
-              </a:rPr>
-              <a:t>Лише для </a:t>
-            </a:r>
-            <a:r>
-              <a:rPr lang="ru-RU" altLang="ko-KR" sz="3200" dirty="0" err="1">
-                <a:latin typeface="Tahoma" charset="0"/>
-              </a:rPr>
-              <a:t>ознайомлення</a:t>
-            </a:r>
-            <a:r>
-              <a:rPr lang="ru-RU" altLang="ko-KR" sz="3200" dirty="0">
-                <a:latin typeface="Tahoma" charset="0"/>
-              </a:rPr>
-              <a:t>!</a:t>
-            </a:r>
-          </a:p>
-        </p:txBody>
-      </p:sp>
-      <p:sp>
-        <p:nvSpPr>
-          <p:cNvPr id="6" name="Прямоугольник 5"/>
-          <p:cNvSpPr/>
-          <p:nvPr/>
-        </p:nvSpPr>
-        <p:spPr>
-          <a:xfrm>
-            <a:off x="3851920" y="4077072"/>
-            <a:ext cx="4857752" cy="1815882"/>
-          </a:xfrm>
-          <a:prstGeom prst="rect">
-            <a:avLst/>
-          </a:prstGeom>
-        </p:spPr>
-        <p:txBody>
-          <a:bodyPr wrap="square">
-            <a:spAutoFit/>
-          </a:bodyPr>
-          <a:lstStyle/>
-          <a:p>
-            <a:r>
-              <a:rPr lang="en-US" sz="2800" dirty="0"/>
-              <a:t>https://drive.google.com/drive/folders/135PlBcM_yiK53XMCAGkcZqFFxaMdqisP?usp=sharing</a:t>
-            </a:r>
-            <a:endParaRPr lang="ru-RU" sz="2800" dirty="0"/>
-          </a:p>
-        </p:txBody>
-      </p:sp>
-      <p:pic>
-        <p:nvPicPr>
-          <p:cNvPr id="3" name="Рисунок 2">
-            <a:extLst>
-              <a:ext uri="{FF2B5EF4-FFF2-40B4-BE49-F238E27FC236}">
-                <a16:creationId xmlns:a16="http://schemas.microsoft.com/office/drawing/2014/main" id="{4D70F9DA-F5A5-48DA-92F8-B4C22A9B6336}"/>
-              </a:ext>
-            </a:extLst>
-          </p:cNvPr>
-          <p:cNvPicPr>
-            <a:picLocks noChangeAspect="1"/>
-          </p:cNvPicPr>
-          <p:nvPr/>
-        </p:nvPicPr>
-        <p:blipFill>
-          <a:blip r:embed="rId2" cstate="print">
-            <a:extLst>
-              <a:ext uri="{28A0092B-C50C-407E-A947-70E740481C1C}">
-                <a14:useLocalDpi xmlns:a14="http://schemas.microsoft.com/office/drawing/2010/main" val="0"/>
-              </a:ext>
-            </a:extLst>
-          </a:blip>
-          <a:stretch>
-            <a:fillRect/>
-          </a:stretch>
-        </p:blipFill>
-        <p:spPr>
-          <a:xfrm>
-            <a:off x="539552" y="4077072"/>
-            <a:ext cx="2495559" cy="2495559"/>
-          </a:xfrm>
-          <a:prstGeom prst="rect">
-            <a:avLst/>
-          </a:prstGeom>
-        </p:spPr>
-      </p:pic>
-      <p:pic>
-        <p:nvPicPr>
-          <p:cNvPr id="5" name="Рисунок 4">
-            <a:extLst>
-              <a:ext uri="{FF2B5EF4-FFF2-40B4-BE49-F238E27FC236}">
-                <a16:creationId xmlns:a16="http://schemas.microsoft.com/office/drawing/2014/main" id="{29F08483-561D-4F15-90C4-36F6DBA14F1D}"/>
-              </a:ext>
-            </a:extLst>
-          </p:cNvPr>
-          <p:cNvPicPr>
-            <a:picLocks noChangeAspect="1"/>
-          </p:cNvPicPr>
-          <p:nvPr/>
-        </p:nvPicPr>
-        <p:blipFill>
-          <a:blip r:embed="rId3">
-            <a:extLst>
-              <a:ext uri="{28A0092B-C50C-407E-A947-70E740481C1C}">
-                <a14:useLocalDpi xmlns:a14="http://schemas.microsoft.com/office/drawing/2010/main" val="0"/>
-              </a:ext>
-            </a:extLst>
-          </a:blip>
-          <a:stretch>
-            <a:fillRect/>
-          </a:stretch>
-        </p:blipFill>
-        <p:spPr>
-          <a:xfrm>
-            <a:off x="1062385" y="2364841"/>
-            <a:ext cx="1449891" cy="1639365"/>
-          </a:xfrm>
-          <a:prstGeom prst="rect">
-            <a:avLst/>
-          </a:prstGeom>
-        </p:spPr>
-      </p:pic>
-    </p:spTree>
-    <p:extLst>
-      <p:ext uri="{BB962C8B-B14F-4D97-AF65-F5344CB8AC3E}">
-        <p14:creationId xmlns:p14="http://schemas.microsoft.com/office/powerpoint/2010/main" val="3389873783"/>
-      </p:ext>
-    </p:extLst>
   </p:cSld>
   <p:clrMapOvr>
     <a:masterClrMapping/>

--- a/Lecture/Chem/Present/Introduction.pptx
+++ b/Lecture/Chem/Present/Introduction.pptx
@@ -4981,10 +4981,10 @@
       </p:sp>
       <p:pic>
         <p:nvPicPr>
-          <p:cNvPr id="3" name="Рисунок 2">
+          <p:cNvPr id="2" name="Picture 1">
             <a:extLst>
               <a:ext uri="{FF2B5EF4-FFF2-40B4-BE49-F238E27FC236}">
-                <a16:creationId xmlns:a16="http://schemas.microsoft.com/office/drawing/2014/main" id="{AE49A336-8D18-4C01-EF27-130D776C149B}"/>
+                <a16:creationId xmlns:a16="http://schemas.microsoft.com/office/drawing/2014/main" id="{10E380E9-F434-71B6-E9D9-4B3737505338}"/>
               </a:ext>
             </a:extLst>
           </p:cNvPr>
@@ -5001,8 +5001,8 @@
         </p:blipFill>
         <p:spPr>
           <a:xfrm>
-            <a:off x="0" y="2660900"/>
-            <a:ext cx="9144000" cy="4197100"/>
+            <a:off x="0" y="2880585"/>
+            <a:ext cx="9144000" cy="3977415"/>
           </a:xfrm>
           <a:prstGeom prst="rect">
             <a:avLst/>
@@ -5347,7 +5347,7 @@
         </p:nvSpPr>
         <p:spPr>
           <a:xfrm>
-            <a:off x="4500562" y="2071678"/>
+            <a:off x="4572000" y="1844824"/>
             <a:ext cx="4286280" cy="785818"/>
           </a:xfrm>
         </p:spPr>
@@ -5366,10 +5366,10 @@
       </p:sp>
       <p:pic>
         <p:nvPicPr>
-          <p:cNvPr id="3" name="Рисунок 2">
+          <p:cNvPr id="2" name="Picture 1">
             <a:extLst>
               <a:ext uri="{FF2B5EF4-FFF2-40B4-BE49-F238E27FC236}">
-                <a16:creationId xmlns:a16="http://schemas.microsoft.com/office/drawing/2014/main" id="{94C44B52-0C6B-4122-8E25-29A3E41D062A}"/>
+                <a16:creationId xmlns:a16="http://schemas.microsoft.com/office/drawing/2014/main" id="{5699CF2E-CEB5-9E46-48E3-162439C50F19}"/>
               </a:ext>
             </a:extLst>
           </p:cNvPr>
@@ -5379,21 +5379,15 @@
           <p:nvPr/>
         </p:nvPicPr>
         <p:blipFill>
-          <a:blip r:embed="rId2" cstate="print">
-            <a:extLst>
-              <a:ext uri="{28A0092B-C50C-407E-A947-70E740481C1C}">
-                <a14:useLocalDpi xmlns:a14="http://schemas.microsoft.com/office/drawing/2010/main" val="0"/>
-              </a:ext>
-            </a:extLst>
-          </a:blip>
+          <a:blip r:embed="rId2"/>
           <a:stretch>
             <a:fillRect/>
           </a:stretch>
         </p:blipFill>
         <p:spPr>
           <a:xfrm>
-            <a:off x="251520" y="2464587"/>
-            <a:ext cx="3024336" cy="4277493"/>
+            <a:off x="0" y="2708921"/>
+            <a:ext cx="6243308" cy="4162206"/>
           </a:xfrm>
           <a:prstGeom prst="rect">
             <a:avLst/>

--- a/Lecture/Chem/Present/Introduction.pptx
+++ b/Lecture/Chem/Present/Introduction.pptx
@@ -3575,83 +3575,6 @@
               <a:latin typeface="Verdana" pitchFamily="34" charset="0"/>
               <a:ea typeface="굴림" charset="-127"/>
             </a:endParaRPr>
-          </a:p>
-          <a:p>
-            <a:pPr>
-              <a:lnSpc>
-                <a:spcPct val="80000"/>
-              </a:lnSpc>
-            </a:pPr>
-            <a:r>
-              <a:rPr lang="ru-RU" altLang="ko-KR" sz="3600" dirty="0">
-                <a:solidFill>
-                  <a:schemeClr val="tx1"/>
-                </a:solidFill>
-                <a:latin typeface="Verdana" pitchFamily="34" charset="0"/>
-                <a:ea typeface="굴림" charset="-127"/>
-              </a:rPr>
-              <a:t> </a:t>
-            </a:r>
-            <a:r>
-              <a:rPr lang="ru-RU" altLang="ko-KR" sz="3600" dirty="0" err="1">
-                <a:solidFill>
-                  <a:schemeClr val="tx1"/>
-                </a:solidFill>
-                <a:latin typeface="Verdana" pitchFamily="34" charset="0"/>
-                <a:ea typeface="굴림" charset="-127"/>
-              </a:rPr>
-              <a:t>Zoom</a:t>
-            </a:r>
-            <a:r>
-              <a:rPr lang="en-US" altLang="ko-KR" sz="3600" dirty="0">
-                <a:solidFill>
-                  <a:schemeClr val="tx1"/>
-                </a:solidFill>
-                <a:latin typeface="Verdana" pitchFamily="34" charset="0"/>
-                <a:ea typeface="굴림" charset="-127"/>
-              </a:rPr>
-              <a:t>: </a:t>
-            </a:r>
-            <a:r>
-              <a:rPr lang="ru-RU" altLang="ko-KR" sz="3600" dirty="0">
-                <a:solidFill>
-                  <a:schemeClr val="tx1"/>
-                </a:solidFill>
-                <a:latin typeface="Verdana" pitchFamily="34" charset="0"/>
-                <a:ea typeface="굴림" charset="-127"/>
-              </a:rPr>
-              <a:t>426 951 6219</a:t>
-            </a:r>
-            <a:r>
-              <a:rPr lang="en-US" altLang="ko-KR" sz="3600" dirty="0">
-                <a:solidFill>
-                  <a:schemeClr val="tx1"/>
-                </a:solidFill>
-                <a:latin typeface="Verdana" pitchFamily="34" charset="0"/>
-                <a:ea typeface="굴림" charset="-127"/>
-              </a:rPr>
-              <a:t>, </a:t>
-            </a:r>
-            <a:r>
-              <a:rPr lang="uk-UA" altLang="ko-KR" sz="3600" dirty="0">
-                <a:solidFill>
-                  <a:schemeClr val="tx1"/>
-                </a:solidFill>
-                <a:latin typeface="Verdana" pitchFamily="34" charset="0"/>
-                <a:ea typeface="굴림" charset="-127"/>
-              </a:rPr>
-              <a:t>к</a:t>
-            </a:r>
-            <a:r>
-              <a:rPr lang="ru-RU" altLang="ko-KR" sz="3600" dirty="0">
-                <a:solidFill>
-                  <a:schemeClr val="tx1"/>
-                </a:solidFill>
-                <a:latin typeface="Verdana" pitchFamily="34" charset="0"/>
-                <a:ea typeface="굴림" charset="-127"/>
-              </a:rPr>
-              <a:t>од 1</a:t>
-            </a:r>
           </a:p>
           <a:p>
             <a:pPr marL="0" indent="0">

--- a/Lecture/Chem/Present/Introduction.pptx
+++ b/Lecture/Chem/Present/Introduction.pptx
@@ -5017,10 +5017,10 @@
       </p:sp>
       <p:pic>
         <p:nvPicPr>
-          <p:cNvPr id="3" name="Рисунок 2">
+          <p:cNvPr id="2" name="Рисунок 1">
             <a:extLst>
               <a:ext uri="{FF2B5EF4-FFF2-40B4-BE49-F238E27FC236}">
-                <a16:creationId xmlns:a16="http://schemas.microsoft.com/office/drawing/2014/main" id="{62C7F42C-5CAF-398B-320A-0FDD5F5DEC9A}"/>
+                <a16:creationId xmlns:a16="http://schemas.microsoft.com/office/drawing/2014/main" id="{83199893-EDB4-BF75-C5C5-E54DAB320A11}"/>
               </a:ext>
             </a:extLst>
           </p:cNvPr>
@@ -5037,8 +5037,8 @@
         </p:blipFill>
         <p:spPr>
           <a:xfrm>
-            <a:off x="-2232" y="3789040"/>
-            <a:ext cx="9144000" cy="2801155"/>
+            <a:off x="11391" y="4136249"/>
+            <a:ext cx="9144000" cy="2688730"/>
           </a:xfrm>
           <a:prstGeom prst="rect">
             <a:avLst/>

--- a/Lecture/Chem/Present/Introduction.pptx
+++ b/Lecture/Chem/Present/Introduction.pptx
@@ -4904,10 +4904,10 @@
       </p:sp>
       <p:pic>
         <p:nvPicPr>
-          <p:cNvPr id="2" name="Picture 1">
+          <p:cNvPr id="3" name="Рисунок 2">
             <a:extLst>
               <a:ext uri="{FF2B5EF4-FFF2-40B4-BE49-F238E27FC236}">
-                <a16:creationId xmlns:a16="http://schemas.microsoft.com/office/drawing/2014/main" id="{10E380E9-F434-71B6-E9D9-4B3737505338}"/>
+                <a16:creationId xmlns:a16="http://schemas.microsoft.com/office/drawing/2014/main" id="{477421C6-49A0-C601-813C-40B7931CDC59}"/>
               </a:ext>
             </a:extLst>
           </p:cNvPr>
@@ -4924,8 +4924,8 @@
         </p:blipFill>
         <p:spPr>
           <a:xfrm>
-            <a:off x="0" y="2880585"/>
-            <a:ext cx="9144000" cy="3977415"/>
+            <a:off x="0" y="2708920"/>
+            <a:ext cx="9144000" cy="4337237"/>
           </a:xfrm>
           <a:prstGeom prst="rect">
             <a:avLst/>

--- a/Lecture/Chem/Present/Introduction.pptx
+++ b/Lecture/Chem/Present/Introduction.pptx
@@ -4904,10 +4904,10 @@
       </p:sp>
       <p:pic>
         <p:nvPicPr>
-          <p:cNvPr id="3" name="Рисунок 2">
+          <p:cNvPr id="2" name="Рисунок 1">
             <a:extLst>
               <a:ext uri="{FF2B5EF4-FFF2-40B4-BE49-F238E27FC236}">
-                <a16:creationId xmlns:a16="http://schemas.microsoft.com/office/drawing/2014/main" id="{477421C6-49A0-C601-813C-40B7931CDC59}"/>
+                <a16:creationId xmlns:a16="http://schemas.microsoft.com/office/drawing/2014/main" id="{33EB058B-DE98-07D5-5221-A92E394E1349}"/>
               </a:ext>
             </a:extLst>
           </p:cNvPr>
@@ -4924,8 +4924,8 @@
         </p:blipFill>
         <p:spPr>
           <a:xfrm>
-            <a:off x="0" y="2708920"/>
-            <a:ext cx="9144000" cy="4337237"/>
+            <a:off x="0" y="2636912"/>
+            <a:ext cx="9144000" cy="4055041"/>
           </a:xfrm>
           <a:prstGeom prst="rect">
             <a:avLst/>
@@ -5015,36 +5015,6 @@
           </a:p>
         </p:txBody>
       </p:sp>
-      <p:pic>
-        <p:nvPicPr>
-          <p:cNvPr id="2" name="Рисунок 1">
-            <a:extLst>
-              <a:ext uri="{FF2B5EF4-FFF2-40B4-BE49-F238E27FC236}">
-                <a16:creationId xmlns:a16="http://schemas.microsoft.com/office/drawing/2014/main" id="{83199893-EDB4-BF75-C5C5-E54DAB320A11}"/>
-              </a:ext>
-            </a:extLst>
-          </p:cNvPr>
-          <p:cNvPicPr>
-            <a:picLocks noChangeAspect="1"/>
-          </p:cNvPicPr>
-          <p:nvPr/>
-        </p:nvPicPr>
-        <p:blipFill>
-          <a:blip r:embed="rId2"/>
-          <a:stretch>
-            <a:fillRect/>
-          </a:stretch>
-        </p:blipFill>
-        <p:spPr>
-          <a:xfrm>
-            <a:off x="11391" y="4136249"/>
-            <a:ext cx="9144000" cy="2688730"/>
-          </a:xfrm>
-          <a:prstGeom prst="rect">
-            <a:avLst/>
-          </a:prstGeom>
-        </p:spPr>
-      </p:pic>
     </p:spTree>
     <p:extLst>
       <p:ext uri="{BB962C8B-B14F-4D97-AF65-F5344CB8AC3E}">
